--- a/VideoWorkingPapers/flags.pptx
+++ b/VideoWorkingPapers/flags.pptx
@@ -8,7 +8,7 @@
     <p:sldId id="256" r:id="rId2"/>
     <p:sldId id="257" r:id="rId3"/>
   </p:sldIdLst>
-  <p:sldSz cx="9144000" cy="6858000" type="screen4x3"/>
+  <p:sldSz cx="9144000" cy="5143500" type="screen16x9"/>
   <p:notesSz cx="6858000" cy="9144000"/>
   <p:defaultTextStyle>
     <a:defPPr>
@@ -137,8 +137,8 @@
         </p:nvSpPr>
         <p:spPr>
           <a:xfrm>
-            <a:off x="685800" y="2130425"/>
-            <a:ext cx="7772400" cy="1470025"/>
+            <a:off x="685800" y="1597820"/>
+            <a:ext cx="7772400" cy="1102519"/>
           </a:xfrm>
         </p:spPr>
         <p:txBody>
@@ -165,8 +165,8 @@
         </p:nvSpPr>
         <p:spPr>
           <a:xfrm>
-            <a:off x="1371600" y="3886200"/>
-            <a:ext cx="6400800" cy="1752600"/>
+            <a:off x="1371600" y="2914650"/>
+            <a:ext cx="6400800" cy="1314450"/>
           </a:xfrm>
         </p:spPr>
         <p:txBody>
@@ -549,8 +549,8 @@
         </p:nvSpPr>
         <p:spPr>
           <a:xfrm>
-            <a:off x="6629400" y="274638"/>
-            <a:ext cx="2057400" cy="5851525"/>
+            <a:off x="6629400" y="205980"/>
+            <a:ext cx="2057400" cy="4388644"/>
           </a:xfrm>
         </p:spPr>
         <p:txBody>
@@ -577,8 +577,8 @@
         </p:nvSpPr>
         <p:spPr>
           <a:xfrm>
-            <a:off x="457200" y="274638"/>
-            <a:ext cx="6019800" cy="5851525"/>
+            <a:off x="457200" y="205980"/>
+            <a:ext cx="6019800" cy="4388644"/>
           </a:xfrm>
         </p:spPr>
         <p:txBody>
@@ -899,8 +899,8 @@
         </p:nvSpPr>
         <p:spPr>
           <a:xfrm>
-            <a:off x="722313" y="4406900"/>
-            <a:ext cx="7772400" cy="1362075"/>
+            <a:off x="722313" y="3305176"/>
+            <a:ext cx="7772400" cy="1021556"/>
           </a:xfrm>
         </p:spPr>
         <p:txBody>
@@ -931,8 +931,8 @@
         </p:nvSpPr>
         <p:spPr>
           <a:xfrm>
-            <a:off x="722313" y="2906713"/>
-            <a:ext cx="7772400" cy="1500187"/>
+            <a:off x="722313" y="2180035"/>
+            <a:ext cx="7772400" cy="1125140"/>
           </a:xfrm>
         </p:spPr>
         <p:txBody>
@@ -1168,8 +1168,8 @@
         </p:nvSpPr>
         <p:spPr>
           <a:xfrm>
-            <a:off x="457200" y="1600200"/>
-            <a:ext cx="4038600" cy="4525963"/>
+            <a:off x="457200" y="1200151"/>
+            <a:ext cx="4038600" cy="3394472"/>
           </a:xfrm>
         </p:spPr>
         <p:txBody>
@@ -1253,8 +1253,8 @@
         </p:nvSpPr>
         <p:spPr>
           <a:xfrm>
-            <a:off x="4648200" y="1600200"/>
-            <a:ext cx="4038600" cy="4525963"/>
+            <a:off x="4648200" y="1200151"/>
+            <a:ext cx="4038600" cy="3394472"/>
           </a:xfrm>
         </p:spPr>
         <p:txBody>
@@ -1460,8 +1460,8 @@
         </p:nvSpPr>
         <p:spPr>
           <a:xfrm>
-            <a:off x="457200" y="1535113"/>
-            <a:ext cx="4040188" cy="639762"/>
+            <a:off x="457200" y="1151335"/>
+            <a:ext cx="4040188" cy="479822"/>
           </a:xfrm>
         </p:spPr>
         <p:txBody>
@@ -1525,8 +1525,8 @@
         </p:nvSpPr>
         <p:spPr>
           <a:xfrm>
-            <a:off x="457200" y="2174875"/>
-            <a:ext cx="4040188" cy="3951288"/>
+            <a:off x="457200" y="1631156"/>
+            <a:ext cx="4040188" cy="2963466"/>
           </a:xfrm>
         </p:spPr>
         <p:txBody>
@@ -1610,8 +1610,8 @@
         </p:nvSpPr>
         <p:spPr>
           <a:xfrm>
-            <a:off x="4645025" y="1535113"/>
-            <a:ext cx="4041775" cy="639762"/>
+            <a:off x="4645028" y="1151335"/>
+            <a:ext cx="4041775" cy="479822"/>
           </a:xfrm>
         </p:spPr>
         <p:txBody>
@@ -1675,8 +1675,8 @@
         </p:nvSpPr>
         <p:spPr>
           <a:xfrm>
-            <a:off x="4645025" y="2174875"/>
-            <a:ext cx="4041775" cy="3951288"/>
+            <a:off x="4645028" y="1631156"/>
+            <a:ext cx="4041775" cy="2963466"/>
           </a:xfrm>
         </p:spPr>
         <p:txBody>
@@ -2068,8 +2068,8 @@
         </p:nvSpPr>
         <p:spPr>
           <a:xfrm>
-            <a:off x="457200" y="273050"/>
-            <a:ext cx="3008313" cy="1162050"/>
+            <a:off x="457203" y="204787"/>
+            <a:ext cx="3008313" cy="871538"/>
           </a:xfrm>
         </p:spPr>
         <p:txBody>
@@ -2100,8 +2100,8 @@
         </p:nvSpPr>
         <p:spPr>
           <a:xfrm>
-            <a:off x="3575050" y="273050"/>
-            <a:ext cx="5111750" cy="5853113"/>
+            <a:off x="3575050" y="204789"/>
+            <a:ext cx="5111750" cy="4389835"/>
           </a:xfrm>
         </p:spPr>
         <p:txBody>
@@ -2185,8 +2185,8 @@
         </p:nvSpPr>
         <p:spPr>
           <a:xfrm>
-            <a:off x="457200" y="1435100"/>
-            <a:ext cx="3008313" cy="4691063"/>
+            <a:off x="457203" y="1076327"/>
+            <a:ext cx="3008313" cy="3518297"/>
           </a:xfrm>
         </p:spPr>
         <p:txBody>
@@ -2345,8 +2345,8 @@
         </p:nvSpPr>
         <p:spPr>
           <a:xfrm>
-            <a:off x="1792288" y="4800600"/>
-            <a:ext cx="5486400" cy="566738"/>
+            <a:off x="1792288" y="3600451"/>
+            <a:ext cx="5486400" cy="425054"/>
           </a:xfrm>
         </p:spPr>
         <p:txBody>
@@ -2377,8 +2377,8 @@
         </p:nvSpPr>
         <p:spPr>
           <a:xfrm>
-            <a:off x="1792288" y="612775"/>
-            <a:ext cx="5486400" cy="4114800"/>
+            <a:off x="1792288" y="459581"/>
+            <a:ext cx="5486400" cy="3086100"/>
           </a:xfrm>
         </p:spPr>
         <p:txBody>
@@ -2438,8 +2438,8 @@
         </p:nvSpPr>
         <p:spPr>
           <a:xfrm>
-            <a:off x="1792288" y="5367338"/>
-            <a:ext cx="5486400" cy="804862"/>
+            <a:off x="1792288" y="4025504"/>
+            <a:ext cx="5486400" cy="603647"/>
           </a:xfrm>
         </p:spPr>
         <p:txBody>
@@ -2603,8 +2603,8 @@
         </p:nvSpPr>
         <p:spPr>
           <a:xfrm>
-            <a:off x="457200" y="274638"/>
-            <a:ext cx="8229600" cy="1143000"/>
+            <a:off x="457200" y="205979"/>
+            <a:ext cx="8229600" cy="857250"/>
           </a:xfrm>
           <a:prstGeom prst="rect">
             <a:avLst/>
@@ -2636,8 +2636,8 @@
         </p:nvSpPr>
         <p:spPr>
           <a:xfrm>
-            <a:off x="457200" y="1600200"/>
-            <a:ext cx="8229600" cy="4525963"/>
+            <a:off x="457200" y="1200151"/>
+            <a:ext cx="8229600" cy="3394472"/>
           </a:xfrm>
           <a:prstGeom prst="rect">
             <a:avLst/>
@@ -2698,8 +2698,8 @@
         </p:nvSpPr>
         <p:spPr>
           <a:xfrm>
-            <a:off x="457200" y="6356350"/>
-            <a:ext cx="2133600" cy="365125"/>
+            <a:off x="457200" y="4767264"/>
+            <a:ext cx="2133600" cy="273844"/>
           </a:xfrm>
           <a:prstGeom prst="rect">
             <a:avLst/>
@@ -2739,8 +2739,8 @@
         </p:nvSpPr>
         <p:spPr>
           <a:xfrm>
-            <a:off x="3124200" y="6356350"/>
-            <a:ext cx="2895600" cy="365125"/>
+            <a:off x="3124200" y="4767264"/>
+            <a:ext cx="2895600" cy="273844"/>
           </a:xfrm>
           <a:prstGeom prst="rect">
             <a:avLst/>
@@ -2776,8 +2776,8 @@
         </p:nvSpPr>
         <p:spPr>
           <a:xfrm>
-            <a:off x="6553200" y="6356350"/>
-            <a:ext cx="2133600" cy="365125"/>
+            <a:off x="6553200" y="4767264"/>
+            <a:ext cx="2133600" cy="273844"/>
           </a:xfrm>
           <a:prstGeom prst="rect">
             <a:avLst/>
@@ -3120,8 +3120,8 @@
         </p:nvSpPr>
         <p:spPr>
           <a:xfrm>
-            <a:off x="944485" y="654574"/>
-            <a:ext cx="2451276" cy="2110860"/>
+            <a:off x="685800" y="361950"/>
+            <a:ext cx="1570115" cy="1395019"/>
           </a:xfrm>
           <a:prstGeom prst="star5">
             <a:avLst/>
@@ -3170,6 +3170,13 @@
   <p:clrMapOvr>
     <a:masterClrMapping/>
   </p:clrMapOvr>
+  <p:timing>
+    <p:tnLst>
+      <p:par>
+        <p:cTn id="1" dur="indefinite" restart="never" nodeType="tmRoot"/>
+      </p:par>
+    </p:tnLst>
+  </p:timing>
 </p:sld>
 </file>
 
@@ -3190,2654 +3197,2669 @@
           <a:chExt cx="0" cy="0"/>
         </a:xfrm>
       </p:grpSpPr>
-      <p:sp>
-        <p:nvSpPr>
-          <p:cNvPr id="4" name="Rectangle 3"/>
-          <p:cNvSpPr/>
+      <p:grpSp>
+        <p:nvGrpSpPr>
+          <p:cNvPr id="2" name="Group 1"/>
+          <p:cNvGrpSpPr/>
           <p:nvPr/>
-        </p:nvSpPr>
-        <p:spPr>
+        </p:nvGrpSpPr>
+        <p:grpSpPr>
           <a:xfrm>
             <a:off x="0" y="0"/>
-            <a:ext cx="4267200" cy="3352800"/>
+            <a:ext cx="9144000" cy="5143500"/>
+            <a:chOff x="0" y="0"/>
+            <a:chExt cx="9144000" cy="5143500"/>
           </a:xfrm>
-          <a:prstGeom prst="rect">
-            <a:avLst/>
-          </a:prstGeom>
-          <a:solidFill>
-            <a:srgbClr val="002060"/>
-          </a:solidFill>
-        </p:spPr>
-        <p:style>
-          <a:lnRef idx="2">
-            <a:schemeClr val="accent1">
-              <a:shade val="50000"/>
-            </a:schemeClr>
-          </a:lnRef>
-          <a:fillRef idx="1">
-            <a:schemeClr val="accent1"/>
-          </a:fillRef>
-          <a:effectRef idx="0">
-            <a:schemeClr val="accent1"/>
-          </a:effectRef>
-          <a:fontRef idx="minor">
-            <a:schemeClr val="lt1"/>
-          </a:fontRef>
-        </p:style>
-        <p:txBody>
-          <a:bodyPr rtlCol="0" anchor="ctr"/>
-          <a:lstStyle/>
-          <a:p>
-            <a:pPr algn="ctr"/>
-            <a:endParaRPr lang="en-US"/>
-          </a:p>
-        </p:txBody>
-      </p:sp>
-      <p:sp>
-        <p:nvSpPr>
-          <p:cNvPr id="5" name="Rectangle 4"/>
-          <p:cNvSpPr/>
-          <p:nvPr/>
-        </p:nvSpPr>
-        <p:spPr>
-          <a:xfrm>
-            <a:off x="4267200" y="0"/>
-            <a:ext cx="4876800" cy="533400"/>
-          </a:xfrm>
-          <a:prstGeom prst="rect">
-            <a:avLst/>
-          </a:prstGeom>
-          <a:solidFill>
-            <a:srgbClr val="C00000"/>
-          </a:solidFill>
-        </p:spPr>
-        <p:style>
-          <a:lnRef idx="2">
-            <a:schemeClr val="accent1">
-              <a:shade val="50000"/>
-            </a:schemeClr>
-          </a:lnRef>
-          <a:fillRef idx="1">
-            <a:schemeClr val="accent1"/>
-          </a:fillRef>
-          <a:effectRef idx="0">
-            <a:schemeClr val="accent1"/>
-          </a:effectRef>
-          <a:fontRef idx="minor">
-            <a:schemeClr val="lt1"/>
-          </a:fontRef>
-        </p:style>
-        <p:txBody>
-          <a:bodyPr rtlCol="0" anchor="ctr"/>
-          <a:lstStyle/>
-          <a:p>
-            <a:pPr algn="ctr"/>
-            <a:endParaRPr lang="en-US"/>
-          </a:p>
-        </p:txBody>
-      </p:sp>
-      <p:sp>
-        <p:nvSpPr>
-          <p:cNvPr id="7" name="Rectangle 6"/>
-          <p:cNvSpPr/>
-          <p:nvPr/>
-        </p:nvSpPr>
-        <p:spPr>
-          <a:xfrm>
-            <a:off x="4267200" y="2819400"/>
-            <a:ext cx="4876800" cy="533400"/>
-          </a:xfrm>
-          <a:prstGeom prst="rect">
-            <a:avLst/>
-          </a:prstGeom>
-          <a:solidFill>
-            <a:srgbClr val="C00000"/>
-          </a:solidFill>
-        </p:spPr>
-        <p:style>
-          <a:lnRef idx="2">
-            <a:schemeClr val="accent1">
-              <a:shade val="50000"/>
-            </a:schemeClr>
-          </a:lnRef>
-          <a:fillRef idx="1">
-            <a:schemeClr val="accent1"/>
-          </a:fillRef>
-          <a:effectRef idx="0">
-            <a:schemeClr val="accent1"/>
-          </a:effectRef>
-          <a:fontRef idx="minor">
-            <a:schemeClr val="lt1"/>
-          </a:fontRef>
-        </p:style>
-        <p:txBody>
-          <a:bodyPr rtlCol="0" anchor="ctr"/>
-          <a:lstStyle/>
-          <a:p>
-            <a:pPr algn="ctr"/>
-            <a:endParaRPr lang="en-US"/>
-          </a:p>
-        </p:txBody>
-      </p:sp>
-      <p:sp>
-        <p:nvSpPr>
-          <p:cNvPr id="8" name="Rectangle 7"/>
-          <p:cNvSpPr/>
-          <p:nvPr/>
-        </p:nvSpPr>
-        <p:spPr>
-          <a:xfrm>
-            <a:off x="4267200" y="990600"/>
-            <a:ext cx="4876800" cy="533400"/>
-          </a:xfrm>
-          <a:prstGeom prst="rect">
-            <a:avLst/>
-          </a:prstGeom>
-          <a:solidFill>
-            <a:srgbClr val="C00000"/>
-          </a:solidFill>
-        </p:spPr>
-        <p:style>
-          <a:lnRef idx="2">
-            <a:schemeClr val="accent1">
-              <a:shade val="50000"/>
-            </a:schemeClr>
-          </a:lnRef>
-          <a:fillRef idx="1">
-            <a:schemeClr val="accent1"/>
-          </a:fillRef>
-          <a:effectRef idx="0">
-            <a:schemeClr val="accent1"/>
-          </a:effectRef>
-          <a:fontRef idx="minor">
-            <a:schemeClr val="lt1"/>
-          </a:fontRef>
-        </p:style>
-        <p:txBody>
-          <a:bodyPr rtlCol="0" anchor="ctr"/>
-          <a:lstStyle/>
-          <a:p>
-            <a:pPr algn="ctr"/>
-            <a:endParaRPr lang="en-US"/>
-          </a:p>
-        </p:txBody>
-      </p:sp>
-      <p:sp>
-        <p:nvSpPr>
-          <p:cNvPr id="9" name="Rectangle 8"/>
-          <p:cNvSpPr/>
-          <p:nvPr/>
-        </p:nvSpPr>
-        <p:spPr>
-          <a:xfrm>
-            <a:off x="4267200" y="1905000"/>
-            <a:ext cx="4876800" cy="533400"/>
-          </a:xfrm>
-          <a:prstGeom prst="rect">
-            <a:avLst/>
-          </a:prstGeom>
-          <a:solidFill>
-            <a:srgbClr val="C00000"/>
-          </a:solidFill>
-        </p:spPr>
-        <p:style>
-          <a:lnRef idx="2">
-            <a:schemeClr val="accent1">
-              <a:shade val="50000"/>
-            </a:schemeClr>
-          </a:lnRef>
-          <a:fillRef idx="1">
-            <a:schemeClr val="accent1"/>
-          </a:fillRef>
-          <a:effectRef idx="0">
-            <a:schemeClr val="accent1"/>
-          </a:effectRef>
-          <a:fontRef idx="minor">
-            <a:schemeClr val="lt1"/>
-          </a:fontRef>
-        </p:style>
-        <p:txBody>
-          <a:bodyPr rtlCol="0" anchor="ctr"/>
-          <a:lstStyle/>
-          <a:p>
-            <a:pPr algn="ctr"/>
-            <a:endParaRPr lang="en-US"/>
-          </a:p>
-        </p:txBody>
-      </p:sp>
-      <p:sp>
-        <p:nvSpPr>
-          <p:cNvPr id="10" name="Rectangle 9"/>
-          <p:cNvSpPr/>
-          <p:nvPr/>
-        </p:nvSpPr>
-        <p:spPr>
-          <a:xfrm>
-            <a:off x="0" y="3962400"/>
-            <a:ext cx="9144000" cy="533400"/>
-          </a:xfrm>
-          <a:prstGeom prst="rect">
-            <a:avLst/>
-          </a:prstGeom>
-          <a:solidFill>
-            <a:srgbClr val="C00000"/>
-          </a:solidFill>
-        </p:spPr>
-        <p:style>
-          <a:lnRef idx="2">
-            <a:schemeClr val="accent1">
-              <a:shade val="50000"/>
-            </a:schemeClr>
-          </a:lnRef>
-          <a:fillRef idx="1">
-            <a:schemeClr val="accent1"/>
-          </a:fillRef>
-          <a:effectRef idx="0">
-            <a:schemeClr val="accent1"/>
-          </a:effectRef>
-          <a:fontRef idx="minor">
-            <a:schemeClr val="lt1"/>
-          </a:fontRef>
-        </p:style>
-        <p:txBody>
-          <a:bodyPr rtlCol="0" anchor="ctr"/>
-          <a:lstStyle/>
-          <a:p>
-            <a:pPr algn="ctr"/>
-            <a:endParaRPr lang="en-US"/>
-          </a:p>
-        </p:txBody>
-      </p:sp>
-      <p:sp>
-        <p:nvSpPr>
-          <p:cNvPr id="11" name="Rectangle 10"/>
-          <p:cNvSpPr/>
-          <p:nvPr/>
-        </p:nvSpPr>
-        <p:spPr>
-          <a:xfrm>
-            <a:off x="0" y="5105400"/>
-            <a:ext cx="9144000" cy="533400"/>
-          </a:xfrm>
-          <a:prstGeom prst="rect">
-            <a:avLst/>
-          </a:prstGeom>
-          <a:solidFill>
-            <a:srgbClr val="C00000"/>
-          </a:solidFill>
-        </p:spPr>
-        <p:style>
-          <a:lnRef idx="2">
-            <a:schemeClr val="accent1">
-              <a:shade val="50000"/>
-            </a:schemeClr>
-          </a:lnRef>
-          <a:fillRef idx="1">
-            <a:schemeClr val="accent1"/>
-          </a:fillRef>
-          <a:effectRef idx="0">
-            <a:schemeClr val="accent1"/>
-          </a:effectRef>
-          <a:fontRef idx="minor">
-            <a:schemeClr val="lt1"/>
-          </a:fontRef>
-        </p:style>
-        <p:txBody>
-          <a:bodyPr rtlCol="0" anchor="ctr"/>
-          <a:lstStyle/>
-          <a:p>
-            <a:pPr algn="ctr"/>
-            <a:endParaRPr lang="en-US"/>
-          </a:p>
-        </p:txBody>
-      </p:sp>
-      <p:sp>
-        <p:nvSpPr>
-          <p:cNvPr id="12" name="Rectangle 11"/>
-          <p:cNvSpPr/>
-          <p:nvPr/>
-        </p:nvSpPr>
-        <p:spPr>
-          <a:xfrm>
-            <a:off x="0" y="6324600"/>
-            <a:ext cx="9144000" cy="533400"/>
-          </a:xfrm>
-          <a:prstGeom prst="rect">
-            <a:avLst/>
-          </a:prstGeom>
-          <a:solidFill>
-            <a:srgbClr val="C00000"/>
-          </a:solidFill>
-        </p:spPr>
-        <p:style>
-          <a:lnRef idx="2">
-            <a:schemeClr val="accent1">
-              <a:shade val="50000"/>
-            </a:schemeClr>
-          </a:lnRef>
-          <a:fillRef idx="1">
-            <a:schemeClr val="accent1"/>
-          </a:fillRef>
-          <a:effectRef idx="0">
-            <a:schemeClr val="accent1"/>
-          </a:effectRef>
-          <a:fontRef idx="minor">
-            <a:schemeClr val="lt1"/>
-          </a:fontRef>
-        </p:style>
-        <p:txBody>
-          <a:bodyPr rtlCol="0" anchor="ctr"/>
-          <a:lstStyle/>
-          <a:p>
-            <a:pPr algn="ctr"/>
-            <a:endParaRPr lang="en-US"/>
-          </a:p>
-        </p:txBody>
-      </p:sp>
-      <p:sp>
-        <p:nvSpPr>
-          <p:cNvPr id="13" name="5-Point Star 12"/>
-          <p:cNvSpPr/>
-          <p:nvPr/>
-        </p:nvSpPr>
-        <p:spPr>
-          <a:xfrm>
-            <a:off x="127000" y="165100"/>
-            <a:ext cx="381000" cy="381000"/>
-          </a:xfrm>
-          <a:prstGeom prst="star5">
-            <a:avLst/>
-          </a:prstGeom>
-          <a:solidFill>
-            <a:schemeClr val="bg1"/>
-          </a:solidFill>
-          <a:ln>
-            <a:noFill/>
-          </a:ln>
-        </p:spPr>
-        <p:style>
-          <a:lnRef idx="2">
-            <a:schemeClr val="accent1">
-              <a:shade val="50000"/>
-            </a:schemeClr>
-          </a:lnRef>
-          <a:fillRef idx="1">
-            <a:schemeClr val="accent1"/>
-          </a:fillRef>
-          <a:effectRef idx="0">
-            <a:schemeClr val="accent1"/>
-          </a:effectRef>
-          <a:fontRef idx="minor">
-            <a:schemeClr val="lt1"/>
-          </a:fontRef>
-        </p:style>
-        <p:txBody>
-          <a:bodyPr rtlCol="0" anchor="ctr"/>
-          <a:lstStyle/>
-          <a:p>
-            <a:pPr algn="ctr"/>
-            <a:endParaRPr lang="en-US"/>
-          </a:p>
-        </p:txBody>
-      </p:sp>
-      <p:sp>
-        <p:nvSpPr>
-          <p:cNvPr id="14" name="5-Point Star 13"/>
-          <p:cNvSpPr/>
-          <p:nvPr/>
-        </p:nvSpPr>
-        <p:spPr>
-          <a:xfrm>
-            <a:off x="139700" y="698500"/>
-            <a:ext cx="381000" cy="381000"/>
-          </a:xfrm>
-          <a:prstGeom prst="star5">
-            <a:avLst/>
-          </a:prstGeom>
-          <a:solidFill>
-            <a:schemeClr val="bg1"/>
-          </a:solidFill>
-          <a:ln>
-            <a:noFill/>
-          </a:ln>
-        </p:spPr>
-        <p:style>
-          <a:lnRef idx="2">
-            <a:schemeClr val="accent1">
-              <a:shade val="50000"/>
-            </a:schemeClr>
-          </a:lnRef>
-          <a:fillRef idx="1">
-            <a:schemeClr val="accent1"/>
-          </a:fillRef>
-          <a:effectRef idx="0">
-            <a:schemeClr val="accent1"/>
-          </a:effectRef>
-          <a:fontRef idx="minor">
-            <a:schemeClr val="lt1"/>
-          </a:fontRef>
-        </p:style>
-        <p:txBody>
-          <a:bodyPr rtlCol="0" anchor="ctr"/>
-          <a:lstStyle/>
-          <a:p>
-            <a:pPr algn="ctr"/>
-            <a:endParaRPr lang="en-US"/>
-          </a:p>
-        </p:txBody>
-      </p:sp>
-      <p:sp>
-        <p:nvSpPr>
-          <p:cNvPr id="15" name="5-Point Star 14"/>
-          <p:cNvSpPr/>
-          <p:nvPr/>
-        </p:nvSpPr>
-        <p:spPr>
-          <a:xfrm>
-            <a:off x="127000" y="1346200"/>
-            <a:ext cx="381000" cy="381000"/>
-          </a:xfrm>
-          <a:prstGeom prst="star5">
-            <a:avLst/>
-          </a:prstGeom>
-          <a:solidFill>
-            <a:schemeClr val="bg1"/>
-          </a:solidFill>
-          <a:ln>
-            <a:noFill/>
-          </a:ln>
-        </p:spPr>
-        <p:style>
-          <a:lnRef idx="2">
-            <a:schemeClr val="accent1">
-              <a:shade val="50000"/>
-            </a:schemeClr>
-          </a:lnRef>
-          <a:fillRef idx="1">
-            <a:schemeClr val="accent1"/>
-          </a:fillRef>
-          <a:effectRef idx="0">
-            <a:schemeClr val="accent1"/>
-          </a:effectRef>
-          <a:fontRef idx="minor">
-            <a:schemeClr val="lt1"/>
-          </a:fontRef>
-        </p:style>
-        <p:txBody>
-          <a:bodyPr rtlCol="0" anchor="ctr"/>
-          <a:lstStyle/>
-          <a:p>
-            <a:pPr algn="ctr"/>
-            <a:endParaRPr lang="en-US"/>
-          </a:p>
-        </p:txBody>
-      </p:sp>
-      <p:sp>
-        <p:nvSpPr>
-          <p:cNvPr id="16" name="5-Point Star 15"/>
-          <p:cNvSpPr/>
-          <p:nvPr/>
-        </p:nvSpPr>
-        <p:spPr>
-          <a:xfrm>
-            <a:off x="127000" y="1993900"/>
-            <a:ext cx="381000" cy="381000"/>
-          </a:xfrm>
-          <a:prstGeom prst="star5">
-            <a:avLst/>
-          </a:prstGeom>
-          <a:solidFill>
-            <a:schemeClr val="bg1"/>
-          </a:solidFill>
-          <a:ln>
-            <a:noFill/>
-          </a:ln>
-        </p:spPr>
-        <p:style>
-          <a:lnRef idx="2">
-            <a:schemeClr val="accent1">
-              <a:shade val="50000"/>
-            </a:schemeClr>
-          </a:lnRef>
-          <a:fillRef idx="1">
-            <a:schemeClr val="accent1"/>
-          </a:fillRef>
-          <a:effectRef idx="0">
-            <a:schemeClr val="accent1"/>
-          </a:effectRef>
-          <a:fontRef idx="minor">
-            <a:schemeClr val="lt1"/>
-          </a:fontRef>
-        </p:style>
-        <p:txBody>
-          <a:bodyPr rtlCol="0" anchor="ctr"/>
-          <a:lstStyle/>
-          <a:p>
-            <a:pPr algn="ctr"/>
-            <a:endParaRPr lang="en-US"/>
-          </a:p>
-        </p:txBody>
-      </p:sp>
-      <p:sp>
-        <p:nvSpPr>
-          <p:cNvPr id="17" name="5-Point Star 16"/>
-          <p:cNvSpPr/>
-          <p:nvPr/>
-        </p:nvSpPr>
-        <p:spPr>
-          <a:xfrm>
-            <a:off x="127000" y="2641600"/>
-            <a:ext cx="381000" cy="381000"/>
-          </a:xfrm>
-          <a:prstGeom prst="star5">
-            <a:avLst/>
-          </a:prstGeom>
-          <a:solidFill>
-            <a:schemeClr val="bg1"/>
-          </a:solidFill>
-          <a:ln>
-            <a:noFill/>
-          </a:ln>
-        </p:spPr>
-        <p:style>
-          <a:lnRef idx="2">
-            <a:schemeClr val="accent1">
-              <a:shade val="50000"/>
-            </a:schemeClr>
-          </a:lnRef>
-          <a:fillRef idx="1">
-            <a:schemeClr val="accent1"/>
-          </a:fillRef>
-          <a:effectRef idx="0">
-            <a:schemeClr val="accent1"/>
-          </a:effectRef>
-          <a:fontRef idx="minor">
-            <a:schemeClr val="lt1"/>
-          </a:fontRef>
-        </p:style>
-        <p:txBody>
-          <a:bodyPr rtlCol="0" anchor="ctr"/>
-          <a:lstStyle/>
-          <a:p>
-            <a:pPr algn="ctr"/>
-            <a:endParaRPr lang="en-US"/>
-          </a:p>
-        </p:txBody>
-      </p:sp>
-      <p:sp>
-        <p:nvSpPr>
-          <p:cNvPr id="18" name="5-Point Star 17"/>
-          <p:cNvSpPr/>
-          <p:nvPr/>
-        </p:nvSpPr>
-        <p:spPr>
-          <a:xfrm>
-            <a:off x="838200" y="165100"/>
-            <a:ext cx="381000" cy="381000"/>
-          </a:xfrm>
-          <a:prstGeom prst="star5">
-            <a:avLst/>
-          </a:prstGeom>
-          <a:solidFill>
-            <a:schemeClr val="bg1"/>
-          </a:solidFill>
-          <a:ln>
-            <a:noFill/>
-          </a:ln>
-        </p:spPr>
-        <p:style>
-          <a:lnRef idx="2">
-            <a:schemeClr val="accent1">
-              <a:shade val="50000"/>
-            </a:schemeClr>
-          </a:lnRef>
-          <a:fillRef idx="1">
-            <a:schemeClr val="accent1"/>
-          </a:fillRef>
-          <a:effectRef idx="0">
-            <a:schemeClr val="accent1"/>
-          </a:effectRef>
-          <a:fontRef idx="minor">
-            <a:schemeClr val="lt1"/>
-          </a:fontRef>
-        </p:style>
-        <p:txBody>
-          <a:bodyPr rtlCol="0" anchor="ctr"/>
-          <a:lstStyle/>
-          <a:p>
-            <a:pPr algn="ctr"/>
-            <a:endParaRPr lang="en-US"/>
-          </a:p>
-        </p:txBody>
-      </p:sp>
-      <p:sp>
-        <p:nvSpPr>
-          <p:cNvPr id="19" name="5-Point Star 18"/>
-          <p:cNvSpPr/>
-          <p:nvPr/>
-        </p:nvSpPr>
-        <p:spPr>
-          <a:xfrm>
-            <a:off x="850900" y="698500"/>
-            <a:ext cx="381000" cy="381000"/>
-          </a:xfrm>
-          <a:prstGeom prst="star5">
-            <a:avLst/>
-          </a:prstGeom>
-          <a:solidFill>
-            <a:schemeClr val="bg1"/>
-          </a:solidFill>
-          <a:ln>
-            <a:noFill/>
-          </a:ln>
-        </p:spPr>
-        <p:style>
-          <a:lnRef idx="2">
-            <a:schemeClr val="accent1">
-              <a:shade val="50000"/>
-            </a:schemeClr>
-          </a:lnRef>
-          <a:fillRef idx="1">
-            <a:schemeClr val="accent1"/>
-          </a:fillRef>
-          <a:effectRef idx="0">
-            <a:schemeClr val="accent1"/>
-          </a:effectRef>
-          <a:fontRef idx="minor">
-            <a:schemeClr val="lt1"/>
-          </a:fontRef>
-        </p:style>
-        <p:txBody>
-          <a:bodyPr rtlCol="0" anchor="ctr"/>
-          <a:lstStyle/>
-          <a:p>
-            <a:pPr algn="ctr"/>
-            <a:endParaRPr lang="en-US"/>
-          </a:p>
-        </p:txBody>
-      </p:sp>
-      <p:sp>
-        <p:nvSpPr>
-          <p:cNvPr id="20" name="5-Point Star 19"/>
-          <p:cNvSpPr/>
-          <p:nvPr/>
-        </p:nvSpPr>
-        <p:spPr>
-          <a:xfrm>
-            <a:off x="838200" y="1346200"/>
-            <a:ext cx="381000" cy="381000"/>
-          </a:xfrm>
-          <a:prstGeom prst="star5">
-            <a:avLst/>
-          </a:prstGeom>
-          <a:solidFill>
-            <a:schemeClr val="bg1"/>
-          </a:solidFill>
-          <a:ln>
-            <a:noFill/>
-          </a:ln>
-        </p:spPr>
-        <p:style>
-          <a:lnRef idx="2">
-            <a:schemeClr val="accent1">
-              <a:shade val="50000"/>
-            </a:schemeClr>
-          </a:lnRef>
-          <a:fillRef idx="1">
-            <a:schemeClr val="accent1"/>
-          </a:fillRef>
-          <a:effectRef idx="0">
-            <a:schemeClr val="accent1"/>
-          </a:effectRef>
-          <a:fontRef idx="minor">
-            <a:schemeClr val="lt1"/>
-          </a:fontRef>
-        </p:style>
-        <p:txBody>
-          <a:bodyPr rtlCol="0" anchor="ctr"/>
-          <a:lstStyle/>
-          <a:p>
-            <a:pPr algn="ctr"/>
-            <a:endParaRPr lang="en-US"/>
-          </a:p>
-        </p:txBody>
-      </p:sp>
-      <p:sp>
-        <p:nvSpPr>
-          <p:cNvPr id="21" name="5-Point Star 20"/>
-          <p:cNvSpPr/>
-          <p:nvPr/>
-        </p:nvSpPr>
-        <p:spPr>
-          <a:xfrm>
-            <a:off x="838200" y="1993900"/>
-            <a:ext cx="381000" cy="381000"/>
-          </a:xfrm>
-          <a:prstGeom prst="star5">
-            <a:avLst/>
-          </a:prstGeom>
-          <a:solidFill>
-            <a:schemeClr val="bg1"/>
-          </a:solidFill>
-          <a:ln>
-            <a:noFill/>
-          </a:ln>
-        </p:spPr>
-        <p:style>
-          <a:lnRef idx="2">
-            <a:schemeClr val="accent1">
-              <a:shade val="50000"/>
-            </a:schemeClr>
-          </a:lnRef>
-          <a:fillRef idx="1">
-            <a:schemeClr val="accent1"/>
-          </a:fillRef>
-          <a:effectRef idx="0">
-            <a:schemeClr val="accent1"/>
-          </a:effectRef>
-          <a:fontRef idx="minor">
-            <a:schemeClr val="lt1"/>
-          </a:fontRef>
-        </p:style>
-        <p:txBody>
-          <a:bodyPr rtlCol="0" anchor="ctr"/>
-          <a:lstStyle/>
-          <a:p>
-            <a:pPr algn="ctr"/>
-            <a:endParaRPr lang="en-US"/>
-          </a:p>
-        </p:txBody>
-      </p:sp>
-      <p:sp>
-        <p:nvSpPr>
-          <p:cNvPr id="22" name="5-Point Star 21"/>
-          <p:cNvSpPr/>
-          <p:nvPr/>
-        </p:nvSpPr>
-        <p:spPr>
-          <a:xfrm>
-            <a:off x="838200" y="2641600"/>
-            <a:ext cx="381000" cy="381000"/>
-          </a:xfrm>
-          <a:prstGeom prst="star5">
-            <a:avLst/>
-          </a:prstGeom>
-          <a:solidFill>
-            <a:schemeClr val="bg1"/>
-          </a:solidFill>
-          <a:ln>
-            <a:noFill/>
-          </a:ln>
-        </p:spPr>
-        <p:style>
-          <a:lnRef idx="2">
-            <a:schemeClr val="accent1">
-              <a:shade val="50000"/>
-            </a:schemeClr>
-          </a:lnRef>
-          <a:fillRef idx="1">
-            <a:schemeClr val="accent1"/>
-          </a:fillRef>
-          <a:effectRef idx="0">
-            <a:schemeClr val="accent1"/>
-          </a:effectRef>
-          <a:fontRef idx="minor">
-            <a:schemeClr val="lt1"/>
-          </a:fontRef>
-        </p:style>
-        <p:txBody>
-          <a:bodyPr rtlCol="0" anchor="ctr"/>
-          <a:lstStyle/>
-          <a:p>
-            <a:pPr algn="ctr"/>
-            <a:endParaRPr lang="en-US"/>
-          </a:p>
-        </p:txBody>
-      </p:sp>
-      <p:sp>
-        <p:nvSpPr>
-          <p:cNvPr id="23" name="5-Point Star 22"/>
-          <p:cNvSpPr/>
-          <p:nvPr/>
-        </p:nvSpPr>
-        <p:spPr>
-          <a:xfrm>
-            <a:off x="1587500" y="152400"/>
-            <a:ext cx="381000" cy="381000"/>
-          </a:xfrm>
-          <a:prstGeom prst="star5">
-            <a:avLst/>
-          </a:prstGeom>
-          <a:solidFill>
-            <a:schemeClr val="bg1"/>
-          </a:solidFill>
-          <a:ln>
-            <a:noFill/>
-          </a:ln>
-        </p:spPr>
-        <p:style>
-          <a:lnRef idx="2">
-            <a:schemeClr val="accent1">
-              <a:shade val="50000"/>
-            </a:schemeClr>
-          </a:lnRef>
-          <a:fillRef idx="1">
-            <a:schemeClr val="accent1"/>
-          </a:fillRef>
-          <a:effectRef idx="0">
-            <a:schemeClr val="accent1"/>
-          </a:effectRef>
-          <a:fontRef idx="minor">
-            <a:schemeClr val="lt1"/>
-          </a:fontRef>
-        </p:style>
-        <p:txBody>
-          <a:bodyPr rtlCol="0" anchor="ctr"/>
-          <a:lstStyle/>
-          <a:p>
-            <a:pPr algn="ctr"/>
-            <a:endParaRPr lang="en-US"/>
-          </a:p>
-        </p:txBody>
-      </p:sp>
-      <p:sp>
-        <p:nvSpPr>
-          <p:cNvPr id="24" name="5-Point Star 23"/>
-          <p:cNvSpPr/>
-          <p:nvPr/>
-        </p:nvSpPr>
-        <p:spPr>
-          <a:xfrm>
-            <a:off x="1600200" y="685800"/>
-            <a:ext cx="381000" cy="381000"/>
-          </a:xfrm>
-          <a:prstGeom prst="star5">
-            <a:avLst/>
-          </a:prstGeom>
-          <a:solidFill>
-            <a:schemeClr val="bg1"/>
-          </a:solidFill>
-          <a:ln>
-            <a:noFill/>
-          </a:ln>
-        </p:spPr>
-        <p:style>
-          <a:lnRef idx="2">
-            <a:schemeClr val="accent1">
-              <a:shade val="50000"/>
-            </a:schemeClr>
-          </a:lnRef>
-          <a:fillRef idx="1">
-            <a:schemeClr val="accent1"/>
-          </a:fillRef>
-          <a:effectRef idx="0">
-            <a:schemeClr val="accent1"/>
-          </a:effectRef>
-          <a:fontRef idx="minor">
-            <a:schemeClr val="lt1"/>
-          </a:fontRef>
-        </p:style>
-        <p:txBody>
-          <a:bodyPr rtlCol="0" anchor="ctr"/>
-          <a:lstStyle/>
-          <a:p>
-            <a:pPr algn="ctr"/>
-            <a:endParaRPr lang="en-US"/>
-          </a:p>
-        </p:txBody>
-      </p:sp>
-      <p:sp>
-        <p:nvSpPr>
-          <p:cNvPr id="25" name="5-Point Star 24"/>
-          <p:cNvSpPr/>
-          <p:nvPr/>
-        </p:nvSpPr>
-        <p:spPr>
-          <a:xfrm>
-            <a:off x="1587500" y="1333500"/>
-            <a:ext cx="381000" cy="381000"/>
-          </a:xfrm>
-          <a:prstGeom prst="star5">
-            <a:avLst/>
-          </a:prstGeom>
-          <a:solidFill>
-            <a:schemeClr val="bg1"/>
-          </a:solidFill>
-          <a:ln>
-            <a:noFill/>
-          </a:ln>
-        </p:spPr>
-        <p:style>
-          <a:lnRef idx="2">
-            <a:schemeClr val="accent1">
-              <a:shade val="50000"/>
-            </a:schemeClr>
-          </a:lnRef>
-          <a:fillRef idx="1">
-            <a:schemeClr val="accent1"/>
-          </a:fillRef>
-          <a:effectRef idx="0">
-            <a:schemeClr val="accent1"/>
-          </a:effectRef>
-          <a:fontRef idx="minor">
-            <a:schemeClr val="lt1"/>
-          </a:fontRef>
-        </p:style>
-        <p:txBody>
-          <a:bodyPr rtlCol="0" anchor="ctr"/>
-          <a:lstStyle/>
-          <a:p>
-            <a:pPr algn="ctr"/>
-            <a:endParaRPr lang="en-US"/>
-          </a:p>
-        </p:txBody>
-      </p:sp>
-      <p:sp>
-        <p:nvSpPr>
-          <p:cNvPr id="26" name="5-Point Star 25"/>
-          <p:cNvSpPr/>
-          <p:nvPr/>
-        </p:nvSpPr>
-        <p:spPr>
-          <a:xfrm>
-            <a:off x="1587500" y="1981200"/>
-            <a:ext cx="381000" cy="381000"/>
-          </a:xfrm>
-          <a:prstGeom prst="star5">
-            <a:avLst/>
-          </a:prstGeom>
-          <a:solidFill>
-            <a:schemeClr val="bg1"/>
-          </a:solidFill>
-          <a:ln>
-            <a:noFill/>
-          </a:ln>
-        </p:spPr>
-        <p:style>
-          <a:lnRef idx="2">
-            <a:schemeClr val="accent1">
-              <a:shade val="50000"/>
-            </a:schemeClr>
-          </a:lnRef>
-          <a:fillRef idx="1">
-            <a:schemeClr val="accent1"/>
-          </a:fillRef>
-          <a:effectRef idx="0">
-            <a:schemeClr val="accent1"/>
-          </a:effectRef>
-          <a:fontRef idx="minor">
-            <a:schemeClr val="lt1"/>
-          </a:fontRef>
-        </p:style>
-        <p:txBody>
-          <a:bodyPr rtlCol="0" anchor="ctr"/>
-          <a:lstStyle/>
-          <a:p>
-            <a:pPr algn="ctr"/>
-            <a:endParaRPr lang="en-US"/>
-          </a:p>
-        </p:txBody>
-      </p:sp>
-      <p:sp>
-        <p:nvSpPr>
-          <p:cNvPr id="27" name="5-Point Star 26"/>
-          <p:cNvSpPr/>
-          <p:nvPr/>
-        </p:nvSpPr>
-        <p:spPr>
-          <a:xfrm>
-            <a:off x="1587500" y="2628900"/>
-            <a:ext cx="381000" cy="381000"/>
-          </a:xfrm>
-          <a:prstGeom prst="star5">
-            <a:avLst/>
-          </a:prstGeom>
-          <a:solidFill>
-            <a:schemeClr val="bg1"/>
-          </a:solidFill>
-          <a:ln>
-            <a:noFill/>
-          </a:ln>
-        </p:spPr>
-        <p:style>
-          <a:lnRef idx="2">
-            <a:schemeClr val="accent1">
-              <a:shade val="50000"/>
-            </a:schemeClr>
-          </a:lnRef>
-          <a:fillRef idx="1">
-            <a:schemeClr val="accent1"/>
-          </a:fillRef>
-          <a:effectRef idx="0">
-            <a:schemeClr val="accent1"/>
-          </a:effectRef>
-          <a:fontRef idx="minor">
-            <a:schemeClr val="lt1"/>
-          </a:fontRef>
-        </p:style>
-        <p:txBody>
-          <a:bodyPr rtlCol="0" anchor="ctr"/>
-          <a:lstStyle/>
-          <a:p>
-            <a:pPr algn="ctr"/>
-            <a:endParaRPr lang="en-US"/>
-          </a:p>
-        </p:txBody>
-      </p:sp>
-      <p:sp>
-        <p:nvSpPr>
-          <p:cNvPr id="28" name="5-Point Star 27"/>
-          <p:cNvSpPr/>
-          <p:nvPr/>
-        </p:nvSpPr>
-        <p:spPr>
-          <a:xfrm>
-            <a:off x="520700" y="444500"/>
-            <a:ext cx="381000" cy="381000"/>
-          </a:xfrm>
-          <a:prstGeom prst="star5">
-            <a:avLst/>
-          </a:prstGeom>
-          <a:solidFill>
-            <a:schemeClr val="bg1"/>
-          </a:solidFill>
-          <a:ln>
-            <a:noFill/>
-          </a:ln>
-        </p:spPr>
-        <p:style>
-          <a:lnRef idx="2">
-            <a:schemeClr val="accent1">
-              <a:shade val="50000"/>
-            </a:schemeClr>
-          </a:lnRef>
-          <a:fillRef idx="1">
-            <a:schemeClr val="accent1"/>
-          </a:fillRef>
-          <a:effectRef idx="0">
-            <a:schemeClr val="accent1"/>
-          </a:effectRef>
-          <a:fontRef idx="minor">
-            <a:schemeClr val="lt1"/>
-          </a:fontRef>
-        </p:style>
-        <p:txBody>
-          <a:bodyPr rtlCol="0" anchor="ctr"/>
-          <a:lstStyle/>
-          <a:p>
-            <a:pPr algn="ctr"/>
-            <a:endParaRPr lang="en-US"/>
-          </a:p>
-        </p:txBody>
-      </p:sp>
-      <p:sp>
-        <p:nvSpPr>
-          <p:cNvPr id="29" name="5-Point Star 28"/>
-          <p:cNvSpPr/>
-          <p:nvPr/>
-        </p:nvSpPr>
-        <p:spPr>
-          <a:xfrm>
-            <a:off x="546100" y="1041400"/>
-            <a:ext cx="381000" cy="381000"/>
-          </a:xfrm>
-          <a:prstGeom prst="star5">
-            <a:avLst/>
-          </a:prstGeom>
-          <a:solidFill>
-            <a:schemeClr val="bg1"/>
-          </a:solidFill>
-          <a:ln>
-            <a:noFill/>
-          </a:ln>
-        </p:spPr>
-        <p:style>
-          <a:lnRef idx="2">
-            <a:schemeClr val="accent1">
-              <a:shade val="50000"/>
-            </a:schemeClr>
-          </a:lnRef>
-          <a:fillRef idx="1">
-            <a:schemeClr val="accent1"/>
-          </a:fillRef>
-          <a:effectRef idx="0">
-            <a:schemeClr val="accent1"/>
-          </a:effectRef>
-          <a:fontRef idx="minor">
-            <a:schemeClr val="lt1"/>
-          </a:fontRef>
-        </p:style>
-        <p:txBody>
-          <a:bodyPr rtlCol="0" anchor="ctr"/>
-          <a:lstStyle/>
-          <a:p>
-            <a:pPr algn="ctr"/>
-            <a:endParaRPr lang="en-US"/>
-          </a:p>
-        </p:txBody>
-      </p:sp>
-      <p:sp>
-        <p:nvSpPr>
-          <p:cNvPr id="30" name="5-Point Star 29"/>
-          <p:cNvSpPr/>
-          <p:nvPr/>
-        </p:nvSpPr>
-        <p:spPr>
-          <a:xfrm>
-            <a:off x="520700" y="1663700"/>
-            <a:ext cx="381000" cy="381000"/>
-          </a:xfrm>
-          <a:prstGeom prst="star5">
-            <a:avLst/>
-          </a:prstGeom>
-          <a:solidFill>
-            <a:schemeClr val="bg1"/>
-          </a:solidFill>
-          <a:ln>
-            <a:noFill/>
-          </a:ln>
-        </p:spPr>
-        <p:style>
-          <a:lnRef idx="2">
-            <a:schemeClr val="accent1">
-              <a:shade val="50000"/>
-            </a:schemeClr>
-          </a:lnRef>
-          <a:fillRef idx="1">
-            <a:schemeClr val="accent1"/>
-          </a:fillRef>
-          <a:effectRef idx="0">
-            <a:schemeClr val="accent1"/>
-          </a:effectRef>
-          <a:fontRef idx="minor">
-            <a:schemeClr val="lt1"/>
-          </a:fontRef>
-        </p:style>
-        <p:txBody>
-          <a:bodyPr rtlCol="0" anchor="ctr"/>
-          <a:lstStyle/>
-          <a:p>
-            <a:pPr algn="ctr"/>
-            <a:endParaRPr lang="en-US"/>
-          </a:p>
-        </p:txBody>
-      </p:sp>
-      <p:sp>
-        <p:nvSpPr>
-          <p:cNvPr id="31" name="5-Point Star 30"/>
-          <p:cNvSpPr/>
-          <p:nvPr/>
-        </p:nvSpPr>
-        <p:spPr>
-          <a:xfrm>
-            <a:off x="520700" y="2374900"/>
-            <a:ext cx="381000" cy="381000"/>
-          </a:xfrm>
-          <a:prstGeom prst="star5">
-            <a:avLst/>
-          </a:prstGeom>
-          <a:solidFill>
-            <a:schemeClr val="bg1"/>
-          </a:solidFill>
-          <a:ln>
-            <a:noFill/>
-          </a:ln>
-        </p:spPr>
-        <p:style>
-          <a:lnRef idx="2">
-            <a:schemeClr val="accent1">
-              <a:shade val="50000"/>
-            </a:schemeClr>
-          </a:lnRef>
-          <a:fillRef idx="1">
-            <a:schemeClr val="accent1"/>
-          </a:fillRef>
-          <a:effectRef idx="0">
-            <a:schemeClr val="accent1"/>
-          </a:effectRef>
-          <a:fontRef idx="minor">
-            <a:schemeClr val="lt1"/>
-          </a:fontRef>
-        </p:style>
-        <p:txBody>
-          <a:bodyPr rtlCol="0" anchor="ctr"/>
-          <a:lstStyle/>
-          <a:p>
-            <a:pPr algn="ctr"/>
-            <a:endParaRPr lang="en-US"/>
-          </a:p>
-        </p:txBody>
-      </p:sp>
-      <p:sp>
-        <p:nvSpPr>
-          <p:cNvPr id="32" name="5-Point Star 31"/>
-          <p:cNvSpPr/>
-          <p:nvPr/>
-        </p:nvSpPr>
-        <p:spPr>
-          <a:xfrm>
-            <a:off x="1244600" y="444500"/>
-            <a:ext cx="381000" cy="381000"/>
-          </a:xfrm>
-          <a:prstGeom prst="star5">
-            <a:avLst/>
-          </a:prstGeom>
-          <a:solidFill>
-            <a:schemeClr val="bg1"/>
-          </a:solidFill>
-          <a:ln>
-            <a:noFill/>
-          </a:ln>
-        </p:spPr>
-        <p:style>
-          <a:lnRef idx="2">
-            <a:schemeClr val="accent1">
-              <a:shade val="50000"/>
-            </a:schemeClr>
-          </a:lnRef>
-          <a:fillRef idx="1">
-            <a:schemeClr val="accent1"/>
-          </a:fillRef>
-          <a:effectRef idx="0">
-            <a:schemeClr val="accent1"/>
-          </a:effectRef>
-          <a:fontRef idx="minor">
-            <a:schemeClr val="lt1"/>
-          </a:fontRef>
-        </p:style>
-        <p:txBody>
-          <a:bodyPr rtlCol="0" anchor="ctr"/>
-          <a:lstStyle/>
-          <a:p>
-            <a:pPr algn="ctr"/>
-            <a:endParaRPr lang="en-US"/>
-          </a:p>
-        </p:txBody>
-      </p:sp>
-      <p:sp>
-        <p:nvSpPr>
-          <p:cNvPr id="33" name="5-Point Star 32"/>
-          <p:cNvSpPr/>
-          <p:nvPr/>
-        </p:nvSpPr>
-        <p:spPr>
-          <a:xfrm>
-            <a:off x="1193800" y="1003300"/>
-            <a:ext cx="381000" cy="381000"/>
-          </a:xfrm>
-          <a:prstGeom prst="star5">
-            <a:avLst/>
-          </a:prstGeom>
-          <a:solidFill>
-            <a:schemeClr val="bg1"/>
-          </a:solidFill>
-          <a:ln>
-            <a:noFill/>
-          </a:ln>
-        </p:spPr>
-        <p:style>
-          <a:lnRef idx="2">
-            <a:schemeClr val="accent1">
-              <a:shade val="50000"/>
-            </a:schemeClr>
-          </a:lnRef>
-          <a:fillRef idx="1">
-            <a:schemeClr val="accent1"/>
-          </a:fillRef>
-          <a:effectRef idx="0">
-            <a:schemeClr val="accent1"/>
-          </a:effectRef>
-          <a:fontRef idx="minor">
-            <a:schemeClr val="lt1"/>
-          </a:fontRef>
-        </p:style>
-        <p:txBody>
-          <a:bodyPr rtlCol="0" anchor="ctr"/>
-          <a:lstStyle/>
-          <a:p>
-            <a:pPr algn="ctr"/>
-            <a:endParaRPr lang="en-US"/>
-          </a:p>
-        </p:txBody>
-      </p:sp>
-      <p:sp>
-        <p:nvSpPr>
-          <p:cNvPr id="34" name="5-Point Star 33"/>
-          <p:cNvSpPr/>
-          <p:nvPr/>
-        </p:nvSpPr>
-        <p:spPr>
-          <a:xfrm>
-            <a:off x="1206500" y="1676400"/>
-            <a:ext cx="381000" cy="381000"/>
-          </a:xfrm>
-          <a:prstGeom prst="star5">
-            <a:avLst/>
-          </a:prstGeom>
-          <a:solidFill>
-            <a:schemeClr val="bg1"/>
-          </a:solidFill>
-          <a:ln>
-            <a:noFill/>
-          </a:ln>
-        </p:spPr>
-        <p:style>
-          <a:lnRef idx="2">
-            <a:schemeClr val="accent1">
-              <a:shade val="50000"/>
-            </a:schemeClr>
-          </a:lnRef>
-          <a:fillRef idx="1">
-            <a:schemeClr val="accent1"/>
-          </a:fillRef>
-          <a:effectRef idx="0">
-            <a:schemeClr val="accent1"/>
-          </a:effectRef>
-          <a:fontRef idx="minor">
-            <a:schemeClr val="lt1"/>
-          </a:fontRef>
-        </p:style>
-        <p:txBody>
-          <a:bodyPr rtlCol="0" anchor="ctr"/>
-          <a:lstStyle/>
-          <a:p>
-            <a:pPr algn="ctr"/>
-            <a:endParaRPr lang="en-US"/>
-          </a:p>
-        </p:txBody>
-      </p:sp>
-      <p:sp>
-        <p:nvSpPr>
-          <p:cNvPr id="35" name="5-Point Star 34"/>
-          <p:cNvSpPr/>
-          <p:nvPr/>
-        </p:nvSpPr>
-        <p:spPr>
-          <a:xfrm>
-            <a:off x="1206500" y="2349500"/>
-            <a:ext cx="381000" cy="381000"/>
-          </a:xfrm>
-          <a:prstGeom prst="star5">
-            <a:avLst/>
-          </a:prstGeom>
-          <a:solidFill>
-            <a:schemeClr val="bg1"/>
-          </a:solidFill>
-          <a:ln>
-            <a:noFill/>
-          </a:ln>
-        </p:spPr>
-        <p:style>
-          <a:lnRef idx="2">
-            <a:schemeClr val="accent1">
-              <a:shade val="50000"/>
-            </a:schemeClr>
-          </a:lnRef>
-          <a:fillRef idx="1">
-            <a:schemeClr val="accent1"/>
-          </a:fillRef>
-          <a:effectRef idx="0">
-            <a:schemeClr val="accent1"/>
-          </a:effectRef>
-          <a:fontRef idx="minor">
-            <a:schemeClr val="lt1"/>
-          </a:fontRef>
-        </p:style>
-        <p:txBody>
-          <a:bodyPr rtlCol="0" anchor="ctr"/>
-          <a:lstStyle/>
-          <a:p>
-            <a:pPr algn="ctr"/>
-            <a:endParaRPr lang="en-US"/>
-          </a:p>
-        </p:txBody>
-      </p:sp>
-      <p:sp>
-        <p:nvSpPr>
-          <p:cNvPr id="36" name="5-Point Star 35"/>
-          <p:cNvSpPr/>
-          <p:nvPr/>
-        </p:nvSpPr>
-        <p:spPr>
-          <a:xfrm>
-            <a:off x="2209800" y="165100"/>
-            <a:ext cx="381000" cy="381000"/>
-          </a:xfrm>
-          <a:prstGeom prst="star5">
-            <a:avLst/>
-          </a:prstGeom>
-          <a:solidFill>
-            <a:schemeClr val="bg1"/>
-          </a:solidFill>
-          <a:ln>
-            <a:noFill/>
-          </a:ln>
-        </p:spPr>
-        <p:style>
-          <a:lnRef idx="2">
-            <a:schemeClr val="accent1">
-              <a:shade val="50000"/>
-            </a:schemeClr>
-          </a:lnRef>
-          <a:fillRef idx="1">
-            <a:schemeClr val="accent1"/>
-          </a:fillRef>
-          <a:effectRef idx="0">
-            <a:schemeClr val="accent1"/>
-          </a:effectRef>
-          <a:fontRef idx="minor">
-            <a:schemeClr val="lt1"/>
-          </a:fontRef>
-        </p:style>
-        <p:txBody>
-          <a:bodyPr rtlCol="0" anchor="ctr"/>
-          <a:lstStyle/>
-          <a:p>
-            <a:pPr algn="ctr"/>
-            <a:endParaRPr lang="en-US"/>
-          </a:p>
-        </p:txBody>
-      </p:sp>
-      <p:sp>
-        <p:nvSpPr>
-          <p:cNvPr id="37" name="5-Point Star 36"/>
-          <p:cNvSpPr/>
-          <p:nvPr/>
-        </p:nvSpPr>
-        <p:spPr>
-          <a:xfrm>
-            <a:off x="2222500" y="698500"/>
-            <a:ext cx="381000" cy="381000"/>
-          </a:xfrm>
-          <a:prstGeom prst="star5">
-            <a:avLst/>
-          </a:prstGeom>
-          <a:solidFill>
-            <a:schemeClr val="bg1"/>
-          </a:solidFill>
-          <a:ln>
-            <a:noFill/>
-          </a:ln>
-        </p:spPr>
-        <p:style>
-          <a:lnRef idx="2">
-            <a:schemeClr val="accent1">
-              <a:shade val="50000"/>
-            </a:schemeClr>
-          </a:lnRef>
-          <a:fillRef idx="1">
-            <a:schemeClr val="accent1"/>
-          </a:fillRef>
-          <a:effectRef idx="0">
-            <a:schemeClr val="accent1"/>
-          </a:effectRef>
-          <a:fontRef idx="minor">
-            <a:schemeClr val="lt1"/>
-          </a:fontRef>
-        </p:style>
-        <p:txBody>
-          <a:bodyPr rtlCol="0" anchor="ctr"/>
-          <a:lstStyle/>
-          <a:p>
-            <a:pPr algn="ctr"/>
-            <a:endParaRPr lang="en-US"/>
-          </a:p>
-        </p:txBody>
-      </p:sp>
-      <p:sp>
-        <p:nvSpPr>
-          <p:cNvPr id="38" name="5-Point Star 37"/>
-          <p:cNvSpPr/>
-          <p:nvPr/>
-        </p:nvSpPr>
-        <p:spPr>
-          <a:xfrm>
-            <a:off x="2209800" y="1346200"/>
-            <a:ext cx="381000" cy="381000"/>
-          </a:xfrm>
-          <a:prstGeom prst="star5">
-            <a:avLst/>
-          </a:prstGeom>
-          <a:solidFill>
-            <a:schemeClr val="bg1"/>
-          </a:solidFill>
-          <a:ln>
-            <a:noFill/>
-          </a:ln>
-        </p:spPr>
-        <p:style>
-          <a:lnRef idx="2">
-            <a:schemeClr val="accent1">
-              <a:shade val="50000"/>
-            </a:schemeClr>
-          </a:lnRef>
-          <a:fillRef idx="1">
-            <a:schemeClr val="accent1"/>
-          </a:fillRef>
-          <a:effectRef idx="0">
-            <a:schemeClr val="accent1"/>
-          </a:effectRef>
-          <a:fontRef idx="minor">
-            <a:schemeClr val="lt1"/>
-          </a:fontRef>
-        </p:style>
-        <p:txBody>
-          <a:bodyPr rtlCol="0" anchor="ctr"/>
-          <a:lstStyle/>
-          <a:p>
-            <a:pPr algn="ctr"/>
-            <a:endParaRPr lang="en-US"/>
-          </a:p>
-        </p:txBody>
-      </p:sp>
-      <p:sp>
-        <p:nvSpPr>
-          <p:cNvPr id="39" name="5-Point Star 38"/>
-          <p:cNvSpPr/>
-          <p:nvPr/>
-        </p:nvSpPr>
-        <p:spPr>
-          <a:xfrm>
-            <a:off x="2209800" y="1993900"/>
-            <a:ext cx="381000" cy="381000"/>
-          </a:xfrm>
-          <a:prstGeom prst="star5">
-            <a:avLst/>
-          </a:prstGeom>
-          <a:solidFill>
-            <a:schemeClr val="bg1"/>
-          </a:solidFill>
-          <a:ln>
-            <a:noFill/>
-          </a:ln>
-        </p:spPr>
-        <p:style>
-          <a:lnRef idx="2">
-            <a:schemeClr val="accent1">
-              <a:shade val="50000"/>
-            </a:schemeClr>
-          </a:lnRef>
-          <a:fillRef idx="1">
-            <a:schemeClr val="accent1"/>
-          </a:fillRef>
-          <a:effectRef idx="0">
-            <a:schemeClr val="accent1"/>
-          </a:effectRef>
-          <a:fontRef idx="minor">
-            <a:schemeClr val="lt1"/>
-          </a:fontRef>
-        </p:style>
-        <p:txBody>
-          <a:bodyPr rtlCol="0" anchor="ctr"/>
-          <a:lstStyle/>
-          <a:p>
-            <a:pPr algn="ctr"/>
-            <a:endParaRPr lang="en-US"/>
-          </a:p>
-        </p:txBody>
-      </p:sp>
-      <p:sp>
-        <p:nvSpPr>
-          <p:cNvPr id="40" name="5-Point Star 39"/>
-          <p:cNvSpPr/>
-          <p:nvPr/>
-        </p:nvSpPr>
-        <p:spPr>
-          <a:xfrm>
-            <a:off x="2209800" y="2641600"/>
-            <a:ext cx="381000" cy="381000"/>
-          </a:xfrm>
-          <a:prstGeom prst="star5">
-            <a:avLst/>
-          </a:prstGeom>
-          <a:solidFill>
-            <a:schemeClr val="bg1"/>
-          </a:solidFill>
-          <a:ln>
-            <a:noFill/>
-          </a:ln>
-        </p:spPr>
-        <p:style>
-          <a:lnRef idx="2">
-            <a:schemeClr val="accent1">
-              <a:shade val="50000"/>
-            </a:schemeClr>
-          </a:lnRef>
-          <a:fillRef idx="1">
-            <a:schemeClr val="accent1"/>
-          </a:fillRef>
-          <a:effectRef idx="0">
-            <a:schemeClr val="accent1"/>
-          </a:effectRef>
-          <a:fontRef idx="minor">
-            <a:schemeClr val="lt1"/>
-          </a:fontRef>
-        </p:style>
-        <p:txBody>
-          <a:bodyPr rtlCol="0" anchor="ctr"/>
-          <a:lstStyle/>
-          <a:p>
-            <a:pPr algn="ctr"/>
-            <a:endParaRPr lang="en-US"/>
-          </a:p>
-        </p:txBody>
-      </p:sp>
-      <p:sp>
-        <p:nvSpPr>
-          <p:cNvPr id="41" name="5-Point Star 40"/>
-          <p:cNvSpPr/>
-          <p:nvPr/>
-        </p:nvSpPr>
-        <p:spPr>
-          <a:xfrm>
-            <a:off x="2921000" y="165100"/>
-            <a:ext cx="381000" cy="381000"/>
-          </a:xfrm>
-          <a:prstGeom prst="star5">
-            <a:avLst/>
-          </a:prstGeom>
-          <a:solidFill>
-            <a:schemeClr val="bg1"/>
-          </a:solidFill>
-          <a:ln>
-            <a:noFill/>
-          </a:ln>
-        </p:spPr>
-        <p:style>
-          <a:lnRef idx="2">
-            <a:schemeClr val="accent1">
-              <a:shade val="50000"/>
-            </a:schemeClr>
-          </a:lnRef>
-          <a:fillRef idx="1">
-            <a:schemeClr val="accent1"/>
-          </a:fillRef>
-          <a:effectRef idx="0">
-            <a:schemeClr val="accent1"/>
-          </a:effectRef>
-          <a:fontRef idx="minor">
-            <a:schemeClr val="lt1"/>
-          </a:fontRef>
-        </p:style>
-        <p:txBody>
-          <a:bodyPr rtlCol="0" anchor="ctr"/>
-          <a:lstStyle/>
-          <a:p>
-            <a:pPr algn="ctr"/>
-            <a:endParaRPr lang="en-US"/>
-          </a:p>
-        </p:txBody>
-      </p:sp>
-      <p:sp>
-        <p:nvSpPr>
-          <p:cNvPr id="42" name="5-Point Star 41"/>
-          <p:cNvSpPr/>
-          <p:nvPr/>
-        </p:nvSpPr>
-        <p:spPr>
-          <a:xfrm>
-            <a:off x="2933700" y="698500"/>
-            <a:ext cx="381000" cy="381000"/>
-          </a:xfrm>
-          <a:prstGeom prst="star5">
-            <a:avLst/>
-          </a:prstGeom>
-          <a:solidFill>
-            <a:schemeClr val="bg1"/>
-          </a:solidFill>
-          <a:ln>
-            <a:noFill/>
-          </a:ln>
-        </p:spPr>
-        <p:style>
-          <a:lnRef idx="2">
-            <a:schemeClr val="accent1">
-              <a:shade val="50000"/>
-            </a:schemeClr>
-          </a:lnRef>
-          <a:fillRef idx="1">
-            <a:schemeClr val="accent1"/>
-          </a:fillRef>
-          <a:effectRef idx="0">
-            <a:schemeClr val="accent1"/>
-          </a:effectRef>
-          <a:fontRef idx="minor">
-            <a:schemeClr val="lt1"/>
-          </a:fontRef>
-        </p:style>
-        <p:txBody>
-          <a:bodyPr rtlCol="0" anchor="ctr"/>
-          <a:lstStyle/>
-          <a:p>
-            <a:pPr algn="ctr"/>
-            <a:endParaRPr lang="en-US"/>
-          </a:p>
-        </p:txBody>
-      </p:sp>
-      <p:sp>
-        <p:nvSpPr>
-          <p:cNvPr id="43" name="5-Point Star 42"/>
-          <p:cNvSpPr/>
-          <p:nvPr/>
-        </p:nvSpPr>
-        <p:spPr>
-          <a:xfrm>
-            <a:off x="2921000" y="1346200"/>
-            <a:ext cx="381000" cy="381000"/>
-          </a:xfrm>
-          <a:prstGeom prst="star5">
-            <a:avLst/>
-          </a:prstGeom>
-          <a:solidFill>
-            <a:schemeClr val="bg1"/>
-          </a:solidFill>
-          <a:ln>
-            <a:noFill/>
-          </a:ln>
-        </p:spPr>
-        <p:style>
-          <a:lnRef idx="2">
-            <a:schemeClr val="accent1">
-              <a:shade val="50000"/>
-            </a:schemeClr>
-          </a:lnRef>
-          <a:fillRef idx="1">
-            <a:schemeClr val="accent1"/>
-          </a:fillRef>
-          <a:effectRef idx="0">
-            <a:schemeClr val="accent1"/>
-          </a:effectRef>
-          <a:fontRef idx="minor">
-            <a:schemeClr val="lt1"/>
-          </a:fontRef>
-        </p:style>
-        <p:txBody>
-          <a:bodyPr rtlCol="0" anchor="ctr"/>
-          <a:lstStyle/>
-          <a:p>
-            <a:pPr algn="ctr"/>
-            <a:endParaRPr lang="en-US"/>
-          </a:p>
-        </p:txBody>
-      </p:sp>
-      <p:sp>
-        <p:nvSpPr>
-          <p:cNvPr id="44" name="5-Point Star 43"/>
-          <p:cNvSpPr/>
-          <p:nvPr/>
-        </p:nvSpPr>
-        <p:spPr>
-          <a:xfrm>
-            <a:off x="2921000" y="1993900"/>
-            <a:ext cx="381000" cy="381000"/>
-          </a:xfrm>
-          <a:prstGeom prst="star5">
-            <a:avLst/>
-          </a:prstGeom>
-          <a:solidFill>
-            <a:schemeClr val="bg1"/>
-          </a:solidFill>
-          <a:ln>
-            <a:noFill/>
-          </a:ln>
-        </p:spPr>
-        <p:style>
-          <a:lnRef idx="2">
-            <a:schemeClr val="accent1">
-              <a:shade val="50000"/>
-            </a:schemeClr>
-          </a:lnRef>
-          <a:fillRef idx="1">
-            <a:schemeClr val="accent1"/>
-          </a:fillRef>
-          <a:effectRef idx="0">
-            <a:schemeClr val="accent1"/>
-          </a:effectRef>
-          <a:fontRef idx="minor">
-            <a:schemeClr val="lt1"/>
-          </a:fontRef>
-        </p:style>
-        <p:txBody>
-          <a:bodyPr rtlCol="0" anchor="ctr"/>
-          <a:lstStyle/>
-          <a:p>
-            <a:pPr algn="ctr"/>
-            <a:endParaRPr lang="en-US"/>
-          </a:p>
-        </p:txBody>
-      </p:sp>
-      <p:sp>
-        <p:nvSpPr>
-          <p:cNvPr id="45" name="5-Point Star 44"/>
-          <p:cNvSpPr/>
-          <p:nvPr/>
-        </p:nvSpPr>
-        <p:spPr>
-          <a:xfrm>
-            <a:off x="2921000" y="2641600"/>
-            <a:ext cx="381000" cy="381000"/>
-          </a:xfrm>
-          <a:prstGeom prst="star5">
-            <a:avLst/>
-          </a:prstGeom>
-          <a:solidFill>
-            <a:schemeClr val="bg1"/>
-          </a:solidFill>
-          <a:ln>
-            <a:noFill/>
-          </a:ln>
-        </p:spPr>
-        <p:style>
-          <a:lnRef idx="2">
-            <a:schemeClr val="accent1">
-              <a:shade val="50000"/>
-            </a:schemeClr>
-          </a:lnRef>
-          <a:fillRef idx="1">
-            <a:schemeClr val="accent1"/>
-          </a:fillRef>
-          <a:effectRef idx="0">
-            <a:schemeClr val="accent1"/>
-          </a:effectRef>
-          <a:fontRef idx="minor">
-            <a:schemeClr val="lt1"/>
-          </a:fontRef>
-        </p:style>
-        <p:txBody>
-          <a:bodyPr rtlCol="0" anchor="ctr"/>
-          <a:lstStyle/>
-          <a:p>
-            <a:pPr algn="ctr"/>
-            <a:endParaRPr lang="en-US"/>
-          </a:p>
-        </p:txBody>
-      </p:sp>
-      <p:sp>
-        <p:nvSpPr>
-          <p:cNvPr id="46" name="5-Point Star 45"/>
-          <p:cNvSpPr/>
-          <p:nvPr/>
-        </p:nvSpPr>
-        <p:spPr>
-          <a:xfrm>
-            <a:off x="3670300" y="152400"/>
-            <a:ext cx="381000" cy="381000"/>
-          </a:xfrm>
-          <a:prstGeom prst="star5">
-            <a:avLst/>
-          </a:prstGeom>
-          <a:solidFill>
-            <a:schemeClr val="bg1"/>
-          </a:solidFill>
-          <a:ln>
-            <a:noFill/>
-          </a:ln>
-        </p:spPr>
-        <p:style>
-          <a:lnRef idx="2">
-            <a:schemeClr val="accent1">
-              <a:shade val="50000"/>
-            </a:schemeClr>
-          </a:lnRef>
-          <a:fillRef idx="1">
-            <a:schemeClr val="accent1"/>
-          </a:fillRef>
-          <a:effectRef idx="0">
-            <a:schemeClr val="accent1"/>
-          </a:effectRef>
-          <a:fontRef idx="minor">
-            <a:schemeClr val="lt1"/>
-          </a:fontRef>
-        </p:style>
-        <p:txBody>
-          <a:bodyPr rtlCol="0" anchor="ctr"/>
-          <a:lstStyle/>
-          <a:p>
-            <a:pPr algn="ctr"/>
-            <a:endParaRPr lang="en-US"/>
-          </a:p>
-        </p:txBody>
-      </p:sp>
-      <p:sp>
-        <p:nvSpPr>
-          <p:cNvPr id="47" name="5-Point Star 46"/>
-          <p:cNvSpPr/>
-          <p:nvPr/>
-        </p:nvSpPr>
-        <p:spPr>
-          <a:xfrm>
-            <a:off x="3683000" y="685800"/>
-            <a:ext cx="381000" cy="381000"/>
-          </a:xfrm>
-          <a:prstGeom prst="star5">
-            <a:avLst/>
-          </a:prstGeom>
-          <a:solidFill>
-            <a:schemeClr val="bg1"/>
-          </a:solidFill>
-          <a:ln>
-            <a:noFill/>
-          </a:ln>
-        </p:spPr>
-        <p:style>
-          <a:lnRef idx="2">
-            <a:schemeClr val="accent1">
-              <a:shade val="50000"/>
-            </a:schemeClr>
-          </a:lnRef>
-          <a:fillRef idx="1">
-            <a:schemeClr val="accent1"/>
-          </a:fillRef>
-          <a:effectRef idx="0">
-            <a:schemeClr val="accent1"/>
-          </a:effectRef>
-          <a:fontRef idx="minor">
-            <a:schemeClr val="lt1"/>
-          </a:fontRef>
-        </p:style>
-        <p:txBody>
-          <a:bodyPr rtlCol="0" anchor="ctr"/>
-          <a:lstStyle/>
-          <a:p>
-            <a:pPr algn="ctr"/>
-            <a:endParaRPr lang="en-US"/>
-          </a:p>
-        </p:txBody>
-      </p:sp>
-      <p:sp>
-        <p:nvSpPr>
-          <p:cNvPr id="48" name="5-Point Star 47"/>
-          <p:cNvSpPr/>
-          <p:nvPr/>
-        </p:nvSpPr>
-        <p:spPr>
-          <a:xfrm>
-            <a:off x="3670300" y="1333500"/>
-            <a:ext cx="381000" cy="381000"/>
-          </a:xfrm>
-          <a:prstGeom prst="star5">
-            <a:avLst/>
-          </a:prstGeom>
-          <a:solidFill>
-            <a:schemeClr val="bg1"/>
-          </a:solidFill>
-          <a:ln>
-            <a:noFill/>
-          </a:ln>
-        </p:spPr>
-        <p:style>
-          <a:lnRef idx="2">
-            <a:schemeClr val="accent1">
-              <a:shade val="50000"/>
-            </a:schemeClr>
-          </a:lnRef>
-          <a:fillRef idx="1">
-            <a:schemeClr val="accent1"/>
-          </a:fillRef>
-          <a:effectRef idx="0">
-            <a:schemeClr val="accent1"/>
-          </a:effectRef>
-          <a:fontRef idx="minor">
-            <a:schemeClr val="lt1"/>
-          </a:fontRef>
-        </p:style>
-        <p:txBody>
-          <a:bodyPr rtlCol="0" anchor="ctr"/>
-          <a:lstStyle/>
-          <a:p>
-            <a:pPr algn="ctr"/>
-            <a:endParaRPr lang="en-US"/>
-          </a:p>
-        </p:txBody>
-      </p:sp>
-      <p:sp>
-        <p:nvSpPr>
-          <p:cNvPr id="49" name="5-Point Star 48"/>
-          <p:cNvSpPr/>
-          <p:nvPr/>
-        </p:nvSpPr>
-        <p:spPr>
-          <a:xfrm>
-            <a:off x="3670300" y="1981200"/>
-            <a:ext cx="381000" cy="381000"/>
-          </a:xfrm>
-          <a:prstGeom prst="star5">
-            <a:avLst/>
-          </a:prstGeom>
-          <a:solidFill>
-            <a:schemeClr val="bg1"/>
-          </a:solidFill>
-          <a:ln>
-            <a:noFill/>
-          </a:ln>
-        </p:spPr>
-        <p:style>
-          <a:lnRef idx="2">
-            <a:schemeClr val="accent1">
-              <a:shade val="50000"/>
-            </a:schemeClr>
-          </a:lnRef>
-          <a:fillRef idx="1">
-            <a:schemeClr val="accent1"/>
-          </a:fillRef>
-          <a:effectRef idx="0">
-            <a:schemeClr val="accent1"/>
-          </a:effectRef>
-          <a:fontRef idx="minor">
-            <a:schemeClr val="lt1"/>
-          </a:fontRef>
-        </p:style>
-        <p:txBody>
-          <a:bodyPr rtlCol="0" anchor="ctr"/>
-          <a:lstStyle/>
-          <a:p>
-            <a:pPr algn="ctr"/>
-            <a:endParaRPr lang="en-US"/>
-          </a:p>
-        </p:txBody>
-      </p:sp>
-      <p:sp>
-        <p:nvSpPr>
-          <p:cNvPr id="50" name="5-Point Star 49"/>
-          <p:cNvSpPr/>
-          <p:nvPr/>
-        </p:nvSpPr>
-        <p:spPr>
-          <a:xfrm>
-            <a:off x="3670300" y="2628900"/>
-            <a:ext cx="381000" cy="381000"/>
-          </a:xfrm>
-          <a:prstGeom prst="star5">
-            <a:avLst/>
-          </a:prstGeom>
-          <a:solidFill>
-            <a:schemeClr val="bg1"/>
-          </a:solidFill>
-          <a:ln>
-            <a:noFill/>
-          </a:ln>
-        </p:spPr>
-        <p:style>
-          <a:lnRef idx="2">
-            <a:schemeClr val="accent1">
-              <a:shade val="50000"/>
-            </a:schemeClr>
-          </a:lnRef>
-          <a:fillRef idx="1">
-            <a:schemeClr val="accent1"/>
-          </a:fillRef>
-          <a:effectRef idx="0">
-            <a:schemeClr val="accent1"/>
-          </a:effectRef>
-          <a:fontRef idx="minor">
-            <a:schemeClr val="lt1"/>
-          </a:fontRef>
-        </p:style>
-        <p:txBody>
-          <a:bodyPr rtlCol="0" anchor="ctr"/>
-          <a:lstStyle/>
-          <a:p>
-            <a:pPr algn="ctr"/>
-            <a:endParaRPr lang="en-US"/>
-          </a:p>
-        </p:txBody>
-      </p:sp>
-      <p:sp>
-        <p:nvSpPr>
-          <p:cNvPr id="51" name="5-Point Star 50"/>
-          <p:cNvSpPr/>
-          <p:nvPr/>
-        </p:nvSpPr>
-        <p:spPr>
-          <a:xfrm>
-            <a:off x="2603500" y="444500"/>
-            <a:ext cx="381000" cy="381000"/>
-          </a:xfrm>
-          <a:prstGeom prst="star5">
-            <a:avLst/>
-          </a:prstGeom>
-          <a:solidFill>
-            <a:schemeClr val="bg1"/>
-          </a:solidFill>
-          <a:ln>
-            <a:noFill/>
-          </a:ln>
-        </p:spPr>
-        <p:style>
-          <a:lnRef idx="2">
-            <a:schemeClr val="accent1">
-              <a:shade val="50000"/>
-            </a:schemeClr>
-          </a:lnRef>
-          <a:fillRef idx="1">
-            <a:schemeClr val="accent1"/>
-          </a:fillRef>
-          <a:effectRef idx="0">
-            <a:schemeClr val="accent1"/>
-          </a:effectRef>
-          <a:fontRef idx="minor">
-            <a:schemeClr val="lt1"/>
-          </a:fontRef>
-        </p:style>
-        <p:txBody>
-          <a:bodyPr rtlCol="0" anchor="ctr"/>
-          <a:lstStyle/>
-          <a:p>
-            <a:pPr algn="ctr"/>
-            <a:endParaRPr lang="en-US"/>
-          </a:p>
-        </p:txBody>
-      </p:sp>
-      <p:sp>
-        <p:nvSpPr>
-          <p:cNvPr id="52" name="5-Point Star 51"/>
-          <p:cNvSpPr/>
-          <p:nvPr/>
-        </p:nvSpPr>
-        <p:spPr>
-          <a:xfrm>
-            <a:off x="2628900" y="1041400"/>
-            <a:ext cx="381000" cy="381000"/>
-          </a:xfrm>
-          <a:prstGeom prst="star5">
-            <a:avLst/>
-          </a:prstGeom>
-          <a:solidFill>
-            <a:schemeClr val="bg1"/>
-          </a:solidFill>
-          <a:ln>
-            <a:noFill/>
-          </a:ln>
-        </p:spPr>
-        <p:style>
-          <a:lnRef idx="2">
-            <a:schemeClr val="accent1">
-              <a:shade val="50000"/>
-            </a:schemeClr>
-          </a:lnRef>
-          <a:fillRef idx="1">
-            <a:schemeClr val="accent1"/>
-          </a:fillRef>
-          <a:effectRef idx="0">
-            <a:schemeClr val="accent1"/>
-          </a:effectRef>
-          <a:fontRef idx="minor">
-            <a:schemeClr val="lt1"/>
-          </a:fontRef>
-        </p:style>
-        <p:txBody>
-          <a:bodyPr rtlCol="0" anchor="ctr"/>
-          <a:lstStyle/>
-          <a:p>
-            <a:pPr algn="ctr"/>
-            <a:endParaRPr lang="en-US"/>
-          </a:p>
-        </p:txBody>
-      </p:sp>
-      <p:sp>
-        <p:nvSpPr>
-          <p:cNvPr id="53" name="5-Point Star 52"/>
-          <p:cNvSpPr/>
-          <p:nvPr/>
-        </p:nvSpPr>
-        <p:spPr>
-          <a:xfrm>
-            <a:off x="2603500" y="1663700"/>
-            <a:ext cx="381000" cy="381000"/>
-          </a:xfrm>
-          <a:prstGeom prst="star5">
-            <a:avLst/>
-          </a:prstGeom>
-          <a:solidFill>
-            <a:schemeClr val="bg1"/>
-          </a:solidFill>
-          <a:ln>
-            <a:noFill/>
-          </a:ln>
-        </p:spPr>
-        <p:style>
-          <a:lnRef idx="2">
-            <a:schemeClr val="accent1">
-              <a:shade val="50000"/>
-            </a:schemeClr>
-          </a:lnRef>
-          <a:fillRef idx="1">
-            <a:schemeClr val="accent1"/>
-          </a:fillRef>
-          <a:effectRef idx="0">
-            <a:schemeClr val="accent1"/>
-          </a:effectRef>
-          <a:fontRef idx="minor">
-            <a:schemeClr val="lt1"/>
-          </a:fontRef>
-        </p:style>
-        <p:txBody>
-          <a:bodyPr rtlCol="0" anchor="ctr"/>
-          <a:lstStyle/>
-          <a:p>
-            <a:pPr algn="ctr"/>
-            <a:endParaRPr lang="en-US"/>
-          </a:p>
-        </p:txBody>
-      </p:sp>
-      <p:sp>
-        <p:nvSpPr>
-          <p:cNvPr id="54" name="5-Point Star 53"/>
-          <p:cNvSpPr/>
-          <p:nvPr/>
-        </p:nvSpPr>
-        <p:spPr>
-          <a:xfrm>
-            <a:off x="2603500" y="2374900"/>
-            <a:ext cx="381000" cy="381000"/>
-          </a:xfrm>
-          <a:prstGeom prst="star5">
-            <a:avLst/>
-          </a:prstGeom>
-          <a:solidFill>
-            <a:schemeClr val="bg1"/>
-          </a:solidFill>
-          <a:ln>
-            <a:noFill/>
-          </a:ln>
-        </p:spPr>
-        <p:style>
-          <a:lnRef idx="2">
-            <a:schemeClr val="accent1">
-              <a:shade val="50000"/>
-            </a:schemeClr>
-          </a:lnRef>
-          <a:fillRef idx="1">
-            <a:schemeClr val="accent1"/>
-          </a:fillRef>
-          <a:effectRef idx="0">
-            <a:schemeClr val="accent1"/>
-          </a:effectRef>
-          <a:fontRef idx="minor">
-            <a:schemeClr val="lt1"/>
-          </a:fontRef>
-        </p:style>
-        <p:txBody>
-          <a:bodyPr rtlCol="0" anchor="ctr"/>
-          <a:lstStyle/>
-          <a:p>
-            <a:pPr algn="ctr"/>
-            <a:endParaRPr lang="en-US"/>
-          </a:p>
-        </p:txBody>
-      </p:sp>
-      <p:sp>
-        <p:nvSpPr>
-          <p:cNvPr id="55" name="5-Point Star 54"/>
-          <p:cNvSpPr/>
-          <p:nvPr/>
-        </p:nvSpPr>
-        <p:spPr>
-          <a:xfrm>
-            <a:off x="3327400" y="444500"/>
-            <a:ext cx="381000" cy="381000"/>
-          </a:xfrm>
-          <a:prstGeom prst="star5">
-            <a:avLst/>
-          </a:prstGeom>
-          <a:solidFill>
-            <a:schemeClr val="bg1"/>
-          </a:solidFill>
-          <a:ln>
-            <a:noFill/>
-          </a:ln>
-        </p:spPr>
-        <p:style>
-          <a:lnRef idx="2">
-            <a:schemeClr val="accent1">
-              <a:shade val="50000"/>
-            </a:schemeClr>
-          </a:lnRef>
-          <a:fillRef idx="1">
-            <a:schemeClr val="accent1"/>
-          </a:fillRef>
-          <a:effectRef idx="0">
-            <a:schemeClr val="accent1"/>
-          </a:effectRef>
-          <a:fontRef idx="minor">
-            <a:schemeClr val="lt1"/>
-          </a:fontRef>
-        </p:style>
-        <p:txBody>
-          <a:bodyPr rtlCol="0" anchor="ctr"/>
-          <a:lstStyle/>
-          <a:p>
-            <a:pPr algn="ctr"/>
-            <a:endParaRPr lang="en-US"/>
-          </a:p>
-        </p:txBody>
-      </p:sp>
-      <p:sp>
-        <p:nvSpPr>
-          <p:cNvPr id="56" name="5-Point Star 55"/>
-          <p:cNvSpPr/>
-          <p:nvPr/>
-        </p:nvSpPr>
-        <p:spPr>
-          <a:xfrm>
-            <a:off x="3276600" y="1003300"/>
-            <a:ext cx="381000" cy="381000"/>
-          </a:xfrm>
-          <a:prstGeom prst="star5">
-            <a:avLst/>
-          </a:prstGeom>
-          <a:solidFill>
-            <a:schemeClr val="bg1"/>
-          </a:solidFill>
-          <a:ln>
-            <a:noFill/>
-          </a:ln>
-        </p:spPr>
-        <p:style>
-          <a:lnRef idx="2">
-            <a:schemeClr val="accent1">
-              <a:shade val="50000"/>
-            </a:schemeClr>
-          </a:lnRef>
-          <a:fillRef idx="1">
-            <a:schemeClr val="accent1"/>
-          </a:fillRef>
-          <a:effectRef idx="0">
-            <a:schemeClr val="accent1"/>
-          </a:effectRef>
-          <a:fontRef idx="minor">
-            <a:schemeClr val="lt1"/>
-          </a:fontRef>
-        </p:style>
-        <p:txBody>
-          <a:bodyPr rtlCol="0" anchor="ctr"/>
-          <a:lstStyle/>
-          <a:p>
-            <a:pPr algn="ctr"/>
-            <a:endParaRPr lang="en-US"/>
-          </a:p>
-        </p:txBody>
-      </p:sp>
-      <p:sp>
-        <p:nvSpPr>
-          <p:cNvPr id="57" name="5-Point Star 56"/>
-          <p:cNvSpPr/>
-          <p:nvPr/>
-        </p:nvSpPr>
-        <p:spPr>
-          <a:xfrm>
-            <a:off x="3289300" y="1676400"/>
-            <a:ext cx="381000" cy="381000"/>
-          </a:xfrm>
-          <a:prstGeom prst="star5">
-            <a:avLst/>
-          </a:prstGeom>
-          <a:solidFill>
-            <a:schemeClr val="bg1"/>
-          </a:solidFill>
-          <a:ln>
-            <a:noFill/>
-          </a:ln>
-        </p:spPr>
-        <p:style>
-          <a:lnRef idx="2">
-            <a:schemeClr val="accent1">
-              <a:shade val="50000"/>
-            </a:schemeClr>
-          </a:lnRef>
-          <a:fillRef idx="1">
-            <a:schemeClr val="accent1"/>
-          </a:fillRef>
-          <a:effectRef idx="0">
-            <a:schemeClr val="accent1"/>
-          </a:effectRef>
-          <a:fontRef idx="minor">
-            <a:schemeClr val="lt1"/>
-          </a:fontRef>
-        </p:style>
-        <p:txBody>
-          <a:bodyPr rtlCol="0" anchor="ctr"/>
-          <a:lstStyle/>
-          <a:p>
-            <a:pPr algn="ctr"/>
-            <a:endParaRPr lang="en-US"/>
-          </a:p>
-        </p:txBody>
-      </p:sp>
-      <p:sp>
-        <p:nvSpPr>
-          <p:cNvPr id="58" name="5-Point Star 57"/>
-          <p:cNvSpPr/>
-          <p:nvPr/>
-        </p:nvSpPr>
-        <p:spPr>
-          <a:xfrm>
-            <a:off x="3289300" y="2349500"/>
-            <a:ext cx="381000" cy="381000"/>
-          </a:xfrm>
-          <a:prstGeom prst="star5">
-            <a:avLst/>
-          </a:prstGeom>
-          <a:solidFill>
-            <a:schemeClr val="bg1"/>
-          </a:solidFill>
-          <a:ln>
-            <a:noFill/>
-          </a:ln>
-        </p:spPr>
-        <p:style>
-          <a:lnRef idx="2">
-            <a:schemeClr val="accent1">
-              <a:shade val="50000"/>
-            </a:schemeClr>
-          </a:lnRef>
-          <a:fillRef idx="1">
-            <a:schemeClr val="accent1"/>
-          </a:fillRef>
-          <a:effectRef idx="0">
-            <a:schemeClr val="accent1"/>
-          </a:effectRef>
-          <a:fontRef idx="minor">
-            <a:schemeClr val="lt1"/>
-          </a:fontRef>
-        </p:style>
-        <p:txBody>
-          <a:bodyPr rtlCol="0" anchor="ctr"/>
-          <a:lstStyle/>
-          <a:p>
-            <a:pPr algn="ctr"/>
-            <a:endParaRPr lang="en-US"/>
-          </a:p>
-        </p:txBody>
-      </p:sp>
-      <p:sp>
-        <p:nvSpPr>
-          <p:cNvPr id="59" name="5-Point Star 58"/>
-          <p:cNvSpPr/>
-          <p:nvPr/>
-        </p:nvSpPr>
-        <p:spPr>
-          <a:xfrm>
-            <a:off x="1866900" y="444500"/>
-            <a:ext cx="381000" cy="381000"/>
-          </a:xfrm>
-          <a:prstGeom prst="star5">
-            <a:avLst/>
-          </a:prstGeom>
-          <a:solidFill>
-            <a:schemeClr val="bg1"/>
-          </a:solidFill>
-          <a:ln>
-            <a:noFill/>
-          </a:ln>
-        </p:spPr>
-        <p:style>
-          <a:lnRef idx="2">
-            <a:schemeClr val="accent1">
-              <a:shade val="50000"/>
-            </a:schemeClr>
-          </a:lnRef>
-          <a:fillRef idx="1">
-            <a:schemeClr val="accent1"/>
-          </a:fillRef>
-          <a:effectRef idx="0">
-            <a:schemeClr val="accent1"/>
-          </a:effectRef>
-          <a:fontRef idx="minor">
-            <a:schemeClr val="lt1"/>
-          </a:fontRef>
-        </p:style>
-        <p:txBody>
-          <a:bodyPr rtlCol="0" anchor="ctr"/>
-          <a:lstStyle/>
-          <a:p>
-            <a:pPr algn="ctr"/>
-            <a:endParaRPr lang="en-US"/>
-          </a:p>
-        </p:txBody>
-      </p:sp>
-      <p:sp>
-        <p:nvSpPr>
-          <p:cNvPr id="60" name="5-Point Star 59"/>
-          <p:cNvSpPr/>
-          <p:nvPr/>
-        </p:nvSpPr>
-        <p:spPr>
-          <a:xfrm>
-            <a:off x="1892300" y="1041400"/>
-            <a:ext cx="381000" cy="381000"/>
-          </a:xfrm>
-          <a:prstGeom prst="star5">
-            <a:avLst/>
-          </a:prstGeom>
-          <a:solidFill>
-            <a:schemeClr val="bg1"/>
-          </a:solidFill>
-          <a:ln>
-            <a:noFill/>
-          </a:ln>
-        </p:spPr>
-        <p:style>
-          <a:lnRef idx="2">
-            <a:schemeClr val="accent1">
-              <a:shade val="50000"/>
-            </a:schemeClr>
-          </a:lnRef>
-          <a:fillRef idx="1">
-            <a:schemeClr val="accent1"/>
-          </a:fillRef>
-          <a:effectRef idx="0">
-            <a:schemeClr val="accent1"/>
-          </a:effectRef>
-          <a:fontRef idx="minor">
-            <a:schemeClr val="lt1"/>
-          </a:fontRef>
-        </p:style>
-        <p:txBody>
-          <a:bodyPr rtlCol="0" anchor="ctr"/>
-          <a:lstStyle/>
-          <a:p>
-            <a:pPr algn="ctr"/>
-            <a:endParaRPr lang="en-US"/>
-          </a:p>
-        </p:txBody>
-      </p:sp>
-      <p:sp>
-        <p:nvSpPr>
-          <p:cNvPr id="61" name="5-Point Star 60"/>
-          <p:cNvSpPr/>
-          <p:nvPr/>
-        </p:nvSpPr>
-        <p:spPr>
-          <a:xfrm>
-            <a:off x="1905000" y="1701800"/>
-            <a:ext cx="381000" cy="381000"/>
-          </a:xfrm>
-          <a:prstGeom prst="star5">
-            <a:avLst/>
-          </a:prstGeom>
-          <a:solidFill>
-            <a:schemeClr val="bg1"/>
-          </a:solidFill>
-          <a:ln>
-            <a:noFill/>
-          </a:ln>
-        </p:spPr>
-        <p:style>
-          <a:lnRef idx="2">
-            <a:schemeClr val="accent1">
-              <a:shade val="50000"/>
-            </a:schemeClr>
-          </a:lnRef>
-          <a:fillRef idx="1">
-            <a:schemeClr val="accent1"/>
-          </a:fillRef>
-          <a:effectRef idx="0">
-            <a:schemeClr val="accent1"/>
-          </a:effectRef>
-          <a:fontRef idx="minor">
-            <a:schemeClr val="lt1"/>
-          </a:fontRef>
-        </p:style>
-        <p:txBody>
-          <a:bodyPr rtlCol="0" anchor="ctr"/>
-          <a:lstStyle/>
-          <a:p>
-            <a:pPr algn="ctr"/>
-            <a:endParaRPr lang="en-US"/>
-          </a:p>
-        </p:txBody>
-      </p:sp>
-      <p:sp>
-        <p:nvSpPr>
-          <p:cNvPr id="62" name="5-Point Star 61"/>
-          <p:cNvSpPr/>
-          <p:nvPr/>
-        </p:nvSpPr>
-        <p:spPr>
-          <a:xfrm>
-            <a:off x="1892300" y="2349500"/>
-            <a:ext cx="381000" cy="381000"/>
-          </a:xfrm>
-          <a:prstGeom prst="star5">
-            <a:avLst>
-              <a:gd name="adj" fmla="val 22113"/>
-              <a:gd name="hf" fmla="val 105146"/>
-              <a:gd name="vf" fmla="val 110557"/>
-            </a:avLst>
-          </a:prstGeom>
-          <a:solidFill>
-            <a:schemeClr val="bg1"/>
-          </a:solidFill>
-          <a:ln>
-            <a:noFill/>
-          </a:ln>
-        </p:spPr>
-        <p:style>
-          <a:lnRef idx="2">
-            <a:schemeClr val="accent1">
-              <a:shade val="50000"/>
-            </a:schemeClr>
-          </a:lnRef>
-          <a:fillRef idx="1">
-            <a:schemeClr val="accent1"/>
-          </a:fillRef>
-          <a:effectRef idx="0">
-            <a:schemeClr val="accent1"/>
-          </a:effectRef>
-          <a:fontRef idx="minor">
-            <a:schemeClr val="lt1"/>
-          </a:fontRef>
-        </p:style>
-        <p:txBody>
-          <a:bodyPr rtlCol="0" anchor="ctr"/>
-          <a:lstStyle/>
-          <a:p>
-            <a:pPr algn="ctr"/>
-            <a:endParaRPr lang="en-US"/>
-          </a:p>
-        </p:txBody>
-      </p:sp>
+        </p:grpSpPr>
+        <p:sp>
+          <p:nvSpPr>
+            <p:cNvPr id="4" name="Rectangle 3"/>
+            <p:cNvSpPr/>
+            <p:nvPr/>
+          </p:nvSpPr>
+          <p:spPr>
+            <a:xfrm>
+              <a:off x="0" y="0"/>
+              <a:ext cx="4267200" cy="2514600"/>
+            </a:xfrm>
+            <a:prstGeom prst="rect">
+              <a:avLst/>
+            </a:prstGeom>
+            <a:solidFill>
+              <a:srgbClr val="002060"/>
+            </a:solidFill>
+          </p:spPr>
+          <p:style>
+            <a:lnRef idx="2">
+              <a:schemeClr val="accent1">
+                <a:shade val="50000"/>
+              </a:schemeClr>
+            </a:lnRef>
+            <a:fillRef idx="1">
+              <a:schemeClr val="accent1"/>
+            </a:fillRef>
+            <a:effectRef idx="0">
+              <a:schemeClr val="accent1"/>
+            </a:effectRef>
+            <a:fontRef idx="minor">
+              <a:schemeClr val="lt1"/>
+            </a:fontRef>
+          </p:style>
+          <p:txBody>
+            <a:bodyPr rtlCol="0" anchor="ctr"/>
+            <a:lstStyle/>
+            <a:p>
+              <a:pPr algn="ctr"/>
+              <a:endParaRPr lang="en-US"/>
+            </a:p>
+          </p:txBody>
+        </p:sp>
+        <p:sp>
+          <p:nvSpPr>
+            <p:cNvPr id="5" name="Rectangle 4"/>
+            <p:cNvSpPr/>
+            <p:nvPr/>
+          </p:nvSpPr>
+          <p:spPr>
+            <a:xfrm>
+              <a:off x="4267200" y="0"/>
+              <a:ext cx="4876800" cy="400050"/>
+            </a:xfrm>
+            <a:prstGeom prst="rect">
+              <a:avLst/>
+            </a:prstGeom>
+            <a:solidFill>
+              <a:srgbClr val="C00000"/>
+            </a:solidFill>
+          </p:spPr>
+          <p:style>
+            <a:lnRef idx="2">
+              <a:schemeClr val="accent1">
+                <a:shade val="50000"/>
+              </a:schemeClr>
+            </a:lnRef>
+            <a:fillRef idx="1">
+              <a:schemeClr val="accent1"/>
+            </a:fillRef>
+            <a:effectRef idx="0">
+              <a:schemeClr val="accent1"/>
+            </a:effectRef>
+            <a:fontRef idx="minor">
+              <a:schemeClr val="lt1"/>
+            </a:fontRef>
+          </p:style>
+          <p:txBody>
+            <a:bodyPr rtlCol="0" anchor="ctr"/>
+            <a:lstStyle/>
+            <a:p>
+              <a:pPr algn="ctr"/>
+              <a:endParaRPr lang="en-US"/>
+            </a:p>
+          </p:txBody>
+        </p:sp>
+        <p:sp>
+          <p:nvSpPr>
+            <p:cNvPr id="7" name="Rectangle 6"/>
+            <p:cNvSpPr/>
+            <p:nvPr/>
+          </p:nvSpPr>
+          <p:spPr>
+            <a:xfrm>
+              <a:off x="4267200" y="2114550"/>
+              <a:ext cx="4876800" cy="400050"/>
+            </a:xfrm>
+            <a:prstGeom prst="rect">
+              <a:avLst/>
+            </a:prstGeom>
+            <a:solidFill>
+              <a:srgbClr val="C00000"/>
+            </a:solidFill>
+          </p:spPr>
+          <p:style>
+            <a:lnRef idx="2">
+              <a:schemeClr val="accent1">
+                <a:shade val="50000"/>
+              </a:schemeClr>
+            </a:lnRef>
+            <a:fillRef idx="1">
+              <a:schemeClr val="accent1"/>
+            </a:fillRef>
+            <a:effectRef idx="0">
+              <a:schemeClr val="accent1"/>
+            </a:effectRef>
+            <a:fontRef idx="minor">
+              <a:schemeClr val="lt1"/>
+            </a:fontRef>
+          </p:style>
+          <p:txBody>
+            <a:bodyPr rtlCol="0" anchor="ctr"/>
+            <a:lstStyle/>
+            <a:p>
+              <a:pPr algn="ctr"/>
+              <a:endParaRPr lang="en-US"/>
+            </a:p>
+          </p:txBody>
+        </p:sp>
+        <p:sp>
+          <p:nvSpPr>
+            <p:cNvPr id="8" name="Rectangle 7"/>
+            <p:cNvSpPr/>
+            <p:nvPr/>
+          </p:nvSpPr>
+          <p:spPr>
+            <a:xfrm>
+              <a:off x="4267200" y="742950"/>
+              <a:ext cx="4876800" cy="400050"/>
+            </a:xfrm>
+            <a:prstGeom prst="rect">
+              <a:avLst/>
+            </a:prstGeom>
+            <a:solidFill>
+              <a:srgbClr val="C00000"/>
+            </a:solidFill>
+          </p:spPr>
+          <p:style>
+            <a:lnRef idx="2">
+              <a:schemeClr val="accent1">
+                <a:shade val="50000"/>
+              </a:schemeClr>
+            </a:lnRef>
+            <a:fillRef idx="1">
+              <a:schemeClr val="accent1"/>
+            </a:fillRef>
+            <a:effectRef idx="0">
+              <a:schemeClr val="accent1"/>
+            </a:effectRef>
+            <a:fontRef idx="minor">
+              <a:schemeClr val="lt1"/>
+            </a:fontRef>
+          </p:style>
+          <p:txBody>
+            <a:bodyPr rtlCol="0" anchor="ctr"/>
+            <a:lstStyle/>
+            <a:p>
+              <a:pPr algn="ctr"/>
+              <a:endParaRPr lang="en-US"/>
+            </a:p>
+          </p:txBody>
+        </p:sp>
+        <p:sp>
+          <p:nvSpPr>
+            <p:cNvPr id="9" name="Rectangle 8"/>
+            <p:cNvSpPr/>
+            <p:nvPr/>
+          </p:nvSpPr>
+          <p:spPr>
+            <a:xfrm>
+              <a:off x="4267200" y="1428750"/>
+              <a:ext cx="4876800" cy="400050"/>
+            </a:xfrm>
+            <a:prstGeom prst="rect">
+              <a:avLst/>
+            </a:prstGeom>
+            <a:solidFill>
+              <a:srgbClr val="C00000"/>
+            </a:solidFill>
+          </p:spPr>
+          <p:style>
+            <a:lnRef idx="2">
+              <a:schemeClr val="accent1">
+                <a:shade val="50000"/>
+              </a:schemeClr>
+            </a:lnRef>
+            <a:fillRef idx="1">
+              <a:schemeClr val="accent1"/>
+            </a:fillRef>
+            <a:effectRef idx="0">
+              <a:schemeClr val="accent1"/>
+            </a:effectRef>
+            <a:fontRef idx="minor">
+              <a:schemeClr val="lt1"/>
+            </a:fontRef>
+          </p:style>
+          <p:txBody>
+            <a:bodyPr rtlCol="0" anchor="ctr"/>
+            <a:lstStyle/>
+            <a:p>
+              <a:pPr algn="ctr"/>
+              <a:endParaRPr lang="en-US"/>
+            </a:p>
+          </p:txBody>
+        </p:sp>
+        <p:sp>
+          <p:nvSpPr>
+            <p:cNvPr id="10" name="Rectangle 9"/>
+            <p:cNvSpPr/>
+            <p:nvPr/>
+          </p:nvSpPr>
+          <p:spPr>
+            <a:xfrm>
+              <a:off x="0" y="2971800"/>
+              <a:ext cx="9144000" cy="400050"/>
+            </a:xfrm>
+            <a:prstGeom prst="rect">
+              <a:avLst/>
+            </a:prstGeom>
+            <a:solidFill>
+              <a:srgbClr val="C00000"/>
+            </a:solidFill>
+          </p:spPr>
+          <p:style>
+            <a:lnRef idx="2">
+              <a:schemeClr val="accent1">
+                <a:shade val="50000"/>
+              </a:schemeClr>
+            </a:lnRef>
+            <a:fillRef idx="1">
+              <a:schemeClr val="accent1"/>
+            </a:fillRef>
+            <a:effectRef idx="0">
+              <a:schemeClr val="accent1"/>
+            </a:effectRef>
+            <a:fontRef idx="minor">
+              <a:schemeClr val="lt1"/>
+            </a:fontRef>
+          </p:style>
+          <p:txBody>
+            <a:bodyPr rtlCol="0" anchor="ctr"/>
+            <a:lstStyle/>
+            <a:p>
+              <a:pPr algn="ctr"/>
+              <a:endParaRPr lang="en-US"/>
+            </a:p>
+          </p:txBody>
+        </p:sp>
+        <p:sp>
+          <p:nvSpPr>
+            <p:cNvPr id="11" name="Rectangle 10"/>
+            <p:cNvSpPr/>
+            <p:nvPr/>
+          </p:nvSpPr>
+          <p:spPr>
+            <a:xfrm>
+              <a:off x="0" y="3829050"/>
+              <a:ext cx="9144000" cy="400050"/>
+            </a:xfrm>
+            <a:prstGeom prst="rect">
+              <a:avLst/>
+            </a:prstGeom>
+            <a:solidFill>
+              <a:srgbClr val="C00000"/>
+            </a:solidFill>
+          </p:spPr>
+          <p:style>
+            <a:lnRef idx="2">
+              <a:schemeClr val="accent1">
+                <a:shade val="50000"/>
+              </a:schemeClr>
+            </a:lnRef>
+            <a:fillRef idx="1">
+              <a:schemeClr val="accent1"/>
+            </a:fillRef>
+            <a:effectRef idx="0">
+              <a:schemeClr val="accent1"/>
+            </a:effectRef>
+            <a:fontRef idx="minor">
+              <a:schemeClr val="lt1"/>
+            </a:fontRef>
+          </p:style>
+          <p:txBody>
+            <a:bodyPr rtlCol="0" anchor="ctr"/>
+            <a:lstStyle/>
+            <a:p>
+              <a:pPr algn="ctr"/>
+              <a:endParaRPr lang="en-US"/>
+            </a:p>
+          </p:txBody>
+        </p:sp>
+        <p:sp>
+          <p:nvSpPr>
+            <p:cNvPr id="12" name="Rectangle 11"/>
+            <p:cNvSpPr/>
+            <p:nvPr/>
+          </p:nvSpPr>
+          <p:spPr>
+            <a:xfrm>
+              <a:off x="0" y="4743450"/>
+              <a:ext cx="9144000" cy="400050"/>
+            </a:xfrm>
+            <a:prstGeom prst="rect">
+              <a:avLst/>
+            </a:prstGeom>
+            <a:solidFill>
+              <a:srgbClr val="C00000"/>
+            </a:solidFill>
+          </p:spPr>
+          <p:style>
+            <a:lnRef idx="2">
+              <a:schemeClr val="accent1">
+                <a:shade val="50000"/>
+              </a:schemeClr>
+            </a:lnRef>
+            <a:fillRef idx="1">
+              <a:schemeClr val="accent1"/>
+            </a:fillRef>
+            <a:effectRef idx="0">
+              <a:schemeClr val="accent1"/>
+            </a:effectRef>
+            <a:fontRef idx="minor">
+              <a:schemeClr val="lt1"/>
+            </a:fontRef>
+          </p:style>
+          <p:txBody>
+            <a:bodyPr rtlCol="0" anchor="ctr"/>
+            <a:lstStyle/>
+            <a:p>
+              <a:pPr algn="ctr"/>
+              <a:endParaRPr lang="en-US"/>
+            </a:p>
+          </p:txBody>
+        </p:sp>
+        <p:sp>
+          <p:nvSpPr>
+            <p:cNvPr id="13" name="5-Point Star 12"/>
+            <p:cNvSpPr/>
+            <p:nvPr/>
+          </p:nvSpPr>
+          <p:spPr>
+            <a:xfrm>
+              <a:off x="127000" y="123825"/>
+              <a:ext cx="381000" cy="285750"/>
+            </a:xfrm>
+            <a:prstGeom prst="star5">
+              <a:avLst/>
+            </a:prstGeom>
+            <a:solidFill>
+              <a:schemeClr val="bg1"/>
+            </a:solidFill>
+            <a:ln>
+              <a:noFill/>
+            </a:ln>
+          </p:spPr>
+          <p:style>
+            <a:lnRef idx="2">
+              <a:schemeClr val="accent1">
+                <a:shade val="50000"/>
+              </a:schemeClr>
+            </a:lnRef>
+            <a:fillRef idx="1">
+              <a:schemeClr val="accent1"/>
+            </a:fillRef>
+            <a:effectRef idx="0">
+              <a:schemeClr val="accent1"/>
+            </a:effectRef>
+            <a:fontRef idx="minor">
+              <a:schemeClr val="lt1"/>
+            </a:fontRef>
+          </p:style>
+          <p:txBody>
+            <a:bodyPr rtlCol="0" anchor="ctr"/>
+            <a:lstStyle/>
+            <a:p>
+              <a:pPr algn="ctr"/>
+              <a:endParaRPr lang="en-US"/>
+            </a:p>
+          </p:txBody>
+        </p:sp>
+        <p:sp>
+          <p:nvSpPr>
+            <p:cNvPr id="14" name="5-Point Star 13"/>
+            <p:cNvSpPr/>
+            <p:nvPr/>
+          </p:nvSpPr>
+          <p:spPr>
+            <a:xfrm>
+              <a:off x="139700" y="523875"/>
+              <a:ext cx="381000" cy="285750"/>
+            </a:xfrm>
+            <a:prstGeom prst="star5">
+              <a:avLst/>
+            </a:prstGeom>
+            <a:solidFill>
+              <a:schemeClr val="bg1"/>
+            </a:solidFill>
+            <a:ln>
+              <a:noFill/>
+            </a:ln>
+          </p:spPr>
+          <p:style>
+            <a:lnRef idx="2">
+              <a:schemeClr val="accent1">
+                <a:shade val="50000"/>
+              </a:schemeClr>
+            </a:lnRef>
+            <a:fillRef idx="1">
+              <a:schemeClr val="accent1"/>
+            </a:fillRef>
+            <a:effectRef idx="0">
+              <a:schemeClr val="accent1"/>
+            </a:effectRef>
+            <a:fontRef idx="minor">
+              <a:schemeClr val="lt1"/>
+            </a:fontRef>
+          </p:style>
+          <p:txBody>
+            <a:bodyPr rtlCol="0" anchor="ctr"/>
+            <a:lstStyle/>
+            <a:p>
+              <a:pPr algn="ctr"/>
+              <a:endParaRPr lang="en-US"/>
+            </a:p>
+          </p:txBody>
+        </p:sp>
+        <p:sp>
+          <p:nvSpPr>
+            <p:cNvPr id="15" name="5-Point Star 14"/>
+            <p:cNvSpPr/>
+            <p:nvPr/>
+          </p:nvSpPr>
+          <p:spPr>
+            <a:xfrm>
+              <a:off x="127000" y="1009650"/>
+              <a:ext cx="381000" cy="285750"/>
+            </a:xfrm>
+            <a:prstGeom prst="star5">
+              <a:avLst/>
+            </a:prstGeom>
+            <a:solidFill>
+              <a:schemeClr val="bg1"/>
+            </a:solidFill>
+            <a:ln>
+              <a:noFill/>
+            </a:ln>
+          </p:spPr>
+          <p:style>
+            <a:lnRef idx="2">
+              <a:schemeClr val="accent1">
+                <a:shade val="50000"/>
+              </a:schemeClr>
+            </a:lnRef>
+            <a:fillRef idx="1">
+              <a:schemeClr val="accent1"/>
+            </a:fillRef>
+            <a:effectRef idx="0">
+              <a:schemeClr val="accent1"/>
+            </a:effectRef>
+            <a:fontRef idx="minor">
+              <a:schemeClr val="lt1"/>
+            </a:fontRef>
+          </p:style>
+          <p:txBody>
+            <a:bodyPr rtlCol="0" anchor="ctr"/>
+            <a:lstStyle/>
+            <a:p>
+              <a:pPr algn="ctr"/>
+              <a:endParaRPr lang="en-US"/>
+            </a:p>
+          </p:txBody>
+        </p:sp>
+        <p:sp>
+          <p:nvSpPr>
+            <p:cNvPr id="16" name="5-Point Star 15"/>
+            <p:cNvSpPr/>
+            <p:nvPr/>
+          </p:nvSpPr>
+          <p:spPr>
+            <a:xfrm>
+              <a:off x="127000" y="1495425"/>
+              <a:ext cx="381000" cy="285750"/>
+            </a:xfrm>
+            <a:prstGeom prst="star5">
+              <a:avLst/>
+            </a:prstGeom>
+            <a:solidFill>
+              <a:schemeClr val="bg1"/>
+            </a:solidFill>
+            <a:ln>
+              <a:noFill/>
+            </a:ln>
+          </p:spPr>
+          <p:style>
+            <a:lnRef idx="2">
+              <a:schemeClr val="accent1">
+                <a:shade val="50000"/>
+              </a:schemeClr>
+            </a:lnRef>
+            <a:fillRef idx="1">
+              <a:schemeClr val="accent1"/>
+            </a:fillRef>
+            <a:effectRef idx="0">
+              <a:schemeClr val="accent1"/>
+            </a:effectRef>
+            <a:fontRef idx="minor">
+              <a:schemeClr val="lt1"/>
+            </a:fontRef>
+          </p:style>
+          <p:txBody>
+            <a:bodyPr rtlCol="0" anchor="ctr"/>
+            <a:lstStyle/>
+            <a:p>
+              <a:pPr algn="ctr"/>
+              <a:endParaRPr lang="en-US"/>
+            </a:p>
+          </p:txBody>
+        </p:sp>
+        <p:sp>
+          <p:nvSpPr>
+            <p:cNvPr id="17" name="5-Point Star 16"/>
+            <p:cNvSpPr/>
+            <p:nvPr/>
+          </p:nvSpPr>
+          <p:spPr>
+            <a:xfrm>
+              <a:off x="127000" y="1981200"/>
+              <a:ext cx="381000" cy="285750"/>
+            </a:xfrm>
+            <a:prstGeom prst="star5">
+              <a:avLst/>
+            </a:prstGeom>
+            <a:solidFill>
+              <a:schemeClr val="bg1"/>
+            </a:solidFill>
+            <a:ln>
+              <a:noFill/>
+            </a:ln>
+          </p:spPr>
+          <p:style>
+            <a:lnRef idx="2">
+              <a:schemeClr val="accent1">
+                <a:shade val="50000"/>
+              </a:schemeClr>
+            </a:lnRef>
+            <a:fillRef idx="1">
+              <a:schemeClr val="accent1"/>
+            </a:fillRef>
+            <a:effectRef idx="0">
+              <a:schemeClr val="accent1"/>
+            </a:effectRef>
+            <a:fontRef idx="minor">
+              <a:schemeClr val="lt1"/>
+            </a:fontRef>
+          </p:style>
+          <p:txBody>
+            <a:bodyPr rtlCol="0" anchor="ctr"/>
+            <a:lstStyle/>
+            <a:p>
+              <a:pPr algn="ctr"/>
+              <a:endParaRPr lang="en-US"/>
+            </a:p>
+          </p:txBody>
+        </p:sp>
+        <p:sp>
+          <p:nvSpPr>
+            <p:cNvPr id="18" name="5-Point Star 17"/>
+            <p:cNvSpPr/>
+            <p:nvPr/>
+          </p:nvSpPr>
+          <p:spPr>
+            <a:xfrm>
+              <a:off x="838200" y="123825"/>
+              <a:ext cx="381000" cy="285750"/>
+            </a:xfrm>
+            <a:prstGeom prst="star5">
+              <a:avLst/>
+            </a:prstGeom>
+            <a:solidFill>
+              <a:schemeClr val="bg1"/>
+            </a:solidFill>
+            <a:ln>
+              <a:noFill/>
+            </a:ln>
+          </p:spPr>
+          <p:style>
+            <a:lnRef idx="2">
+              <a:schemeClr val="accent1">
+                <a:shade val="50000"/>
+              </a:schemeClr>
+            </a:lnRef>
+            <a:fillRef idx="1">
+              <a:schemeClr val="accent1"/>
+            </a:fillRef>
+            <a:effectRef idx="0">
+              <a:schemeClr val="accent1"/>
+            </a:effectRef>
+            <a:fontRef idx="minor">
+              <a:schemeClr val="lt1"/>
+            </a:fontRef>
+          </p:style>
+          <p:txBody>
+            <a:bodyPr rtlCol="0" anchor="ctr"/>
+            <a:lstStyle/>
+            <a:p>
+              <a:pPr algn="ctr"/>
+              <a:endParaRPr lang="en-US"/>
+            </a:p>
+          </p:txBody>
+        </p:sp>
+        <p:sp>
+          <p:nvSpPr>
+            <p:cNvPr id="19" name="5-Point Star 18"/>
+            <p:cNvSpPr/>
+            <p:nvPr/>
+          </p:nvSpPr>
+          <p:spPr>
+            <a:xfrm>
+              <a:off x="850900" y="523875"/>
+              <a:ext cx="381000" cy="285750"/>
+            </a:xfrm>
+            <a:prstGeom prst="star5">
+              <a:avLst/>
+            </a:prstGeom>
+            <a:solidFill>
+              <a:schemeClr val="bg1"/>
+            </a:solidFill>
+            <a:ln>
+              <a:noFill/>
+            </a:ln>
+          </p:spPr>
+          <p:style>
+            <a:lnRef idx="2">
+              <a:schemeClr val="accent1">
+                <a:shade val="50000"/>
+              </a:schemeClr>
+            </a:lnRef>
+            <a:fillRef idx="1">
+              <a:schemeClr val="accent1"/>
+            </a:fillRef>
+            <a:effectRef idx="0">
+              <a:schemeClr val="accent1"/>
+            </a:effectRef>
+            <a:fontRef idx="minor">
+              <a:schemeClr val="lt1"/>
+            </a:fontRef>
+          </p:style>
+          <p:txBody>
+            <a:bodyPr rtlCol="0" anchor="ctr"/>
+            <a:lstStyle/>
+            <a:p>
+              <a:pPr algn="ctr"/>
+              <a:endParaRPr lang="en-US"/>
+            </a:p>
+          </p:txBody>
+        </p:sp>
+        <p:sp>
+          <p:nvSpPr>
+            <p:cNvPr id="20" name="5-Point Star 19"/>
+            <p:cNvSpPr/>
+            <p:nvPr/>
+          </p:nvSpPr>
+          <p:spPr>
+            <a:xfrm>
+              <a:off x="838200" y="1009650"/>
+              <a:ext cx="381000" cy="285750"/>
+            </a:xfrm>
+            <a:prstGeom prst="star5">
+              <a:avLst/>
+            </a:prstGeom>
+            <a:solidFill>
+              <a:schemeClr val="bg1"/>
+            </a:solidFill>
+            <a:ln>
+              <a:noFill/>
+            </a:ln>
+          </p:spPr>
+          <p:style>
+            <a:lnRef idx="2">
+              <a:schemeClr val="accent1">
+                <a:shade val="50000"/>
+              </a:schemeClr>
+            </a:lnRef>
+            <a:fillRef idx="1">
+              <a:schemeClr val="accent1"/>
+            </a:fillRef>
+            <a:effectRef idx="0">
+              <a:schemeClr val="accent1"/>
+            </a:effectRef>
+            <a:fontRef idx="minor">
+              <a:schemeClr val="lt1"/>
+            </a:fontRef>
+          </p:style>
+          <p:txBody>
+            <a:bodyPr rtlCol="0" anchor="ctr"/>
+            <a:lstStyle/>
+            <a:p>
+              <a:pPr algn="ctr"/>
+              <a:endParaRPr lang="en-US"/>
+            </a:p>
+          </p:txBody>
+        </p:sp>
+        <p:sp>
+          <p:nvSpPr>
+            <p:cNvPr id="21" name="5-Point Star 20"/>
+            <p:cNvSpPr/>
+            <p:nvPr/>
+          </p:nvSpPr>
+          <p:spPr>
+            <a:xfrm>
+              <a:off x="838200" y="1495425"/>
+              <a:ext cx="381000" cy="285750"/>
+            </a:xfrm>
+            <a:prstGeom prst="star5">
+              <a:avLst/>
+            </a:prstGeom>
+            <a:solidFill>
+              <a:schemeClr val="bg1"/>
+            </a:solidFill>
+            <a:ln>
+              <a:noFill/>
+            </a:ln>
+          </p:spPr>
+          <p:style>
+            <a:lnRef idx="2">
+              <a:schemeClr val="accent1">
+                <a:shade val="50000"/>
+              </a:schemeClr>
+            </a:lnRef>
+            <a:fillRef idx="1">
+              <a:schemeClr val="accent1"/>
+            </a:fillRef>
+            <a:effectRef idx="0">
+              <a:schemeClr val="accent1"/>
+            </a:effectRef>
+            <a:fontRef idx="minor">
+              <a:schemeClr val="lt1"/>
+            </a:fontRef>
+          </p:style>
+          <p:txBody>
+            <a:bodyPr rtlCol="0" anchor="ctr"/>
+            <a:lstStyle/>
+            <a:p>
+              <a:pPr algn="ctr"/>
+              <a:endParaRPr lang="en-US"/>
+            </a:p>
+          </p:txBody>
+        </p:sp>
+        <p:sp>
+          <p:nvSpPr>
+            <p:cNvPr id="22" name="5-Point Star 21"/>
+            <p:cNvSpPr/>
+            <p:nvPr/>
+          </p:nvSpPr>
+          <p:spPr>
+            <a:xfrm>
+              <a:off x="838200" y="1981200"/>
+              <a:ext cx="381000" cy="285750"/>
+            </a:xfrm>
+            <a:prstGeom prst="star5">
+              <a:avLst/>
+            </a:prstGeom>
+            <a:solidFill>
+              <a:schemeClr val="bg1"/>
+            </a:solidFill>
+            <a:ln>
+              <a:noFill/>
+            </a:ln>
+          </p:spPr>
+          <p:style>
+            <a:lnRef idx="2">
+              <a:schemeClr val="accent1">
+                <a:shade val="50000"/>
+              </a:schemeClr>
+            </a:lnRef>
+            <a:fillRef idx="1">
+              <a:schemeClr val="accent1"/>
+            </a:fillRef>
+            <a:effectRef idx="0">
+              <a:schemeClr val="accent1"/>
+            </a:effectRef>
+            <a:fontRef idx="minor">
+              <a:schemeClr val="lt1"/>
+            </a:fontRef>
+          </p:style>
+          <p:txBody>
+            <a:bodyPr rtlCol="0" anchor="ctr"/>
+            <a:lstStyle/>
+            <a:p>
+              <a:pPr algn="ctr"/>
+              <a:endParaRPr lang="en-US"/>
+            </a:p>
+          </p:txBody>
+        </p:sp>
+        <p:sp>
+          <p:nvSpPr>
+            <p:cNvPr id="23" name="5-Point Star 22"/>
+            <p:cNvSpPr/>
+            <p:nvPr/>
+          </p:nvSpPr>
+          <p:spPr>
+            <a:xfrm>
+              <a:off x="1587500" y="114300"/>
+              <a:ext cx="381000" cy="285750"/>
+            </a:xfrm>
+            <a:prstGeom prst="star5">
+              <a:avLst/>
+            </a:prstGeom>
+            <a:solidFill>
+              <a:schemeClr val="bg1"/>
+            </a:solidFill>
+            <a:ln>
+              <a:noFill/>
+            </a:ln>
+          </p:spPr>
+          <p:style>
+            <a:lnRef idx="2">
+              <a:schemeClr val="accent1">
+                <a:shade val="50000"/>
+              </a:schemeClr>
+            </a:lnRef>
+            <a:fillRef idx="1">
+              <a:schemeClr val="accent1"/>
+            </a:fillRef>
+            <a:effectRef idx="0">
+              <a:schemeClr val="accent1"/>
+            </a:effectRef>
+            <a:fontRef idx="minor">
+              <a:schemeClr val="lt1"/>
+            </a:fontRef>
+          </p:style>
+          <p:txBody>
+            <a:bodyPr rtlCol="0" anchor="ctr"/>
+            <a:lstStyle/>
+            <a:p>
+              <a:pPr algn="ctr"/>
+              <a:endParaRPr lang="en-US"/>
+            </a:p>
+          </p:txBody>
+        </p:sp>
+        <p:sp>
+          <p:nvSpPr>
+            <p:cNvPr id="24" name="5-Point Star 23"/>
+            <p:cNvSpPr/>
+            <p:nvPr/>
+          </p:nvSpPr>
+          <p:spPr>
+            <a:xfrm>
+              <a:off x="1600200" y="514350"/>
+              <a:ext cx="381000" cy="285750"/>
+            </a:xfrm>
+            <a:prstGeom prst="star5">
+              <a:avLst/>
+            </a:prstGeom>
+            <a:solidFill>
+              <a:schemeClr val="bg1"/>
+            </a:solidFill>
+            <a:ln>
+              <a:noFill/>
+            </a:ln>
+          </p:spPr>
+          <p:style>
+            <a:lnRef idx="2">
+              <a:schemeClr val="accent1">
+                <a:shade val="50000"/>
+              </a:schemeClr>
+            </a:lnRef>
+            <a:fillRef idx="1">
+              <a:schemeClr val="accent1"/>
+            </a:fillRef>
+            <a:effectRef idx="0">
+              <a:schemeClr val="accent1"/>
+            </a:effectRef>
+            <a:fontRef idx="minor">
+              <a:schemeClr val="lt1"/>
+            </a:fontRef>
+          </p:style>
+          <p:txBody>
+            <a:bodyPr rtlCol="0" anchor="ctr"/>
+            <a:lstStyle/>
+            <a:p>
+              <a:pPr algn="ctr"/>
+              <a:endParaRPr lang="en-US"/>
+            </a:p>
+          </p:txBody>
+        </p:sp>
+        <p:sp>
+          <p:nvSpPr>
+            <p:cNvPr id="25" name="5-Point Star 24"/>
+            <p:cNvSpPr/>
+            <p:nvPr/>
+          </p:nvSpPr>
+          <p:spPr>
+            <a:xfrm>
+              <a:off x="1587500" y="1000125"/>
+              <a:ext cx="381000" cy="285750"/>
+            </a:xfrm>
+            <a:prstGeom prst="star5">
+              <a:avLst/>
+            </a:prstGeom>
+            <a:solidFill>
+              <a:schemeClr val="bg1"/>
+            </a:solidFill>
+            <a:ln>
+              <a:noFill/>
+            </a:ln>
+          </p:spPr>
+          <p:style>
+            <a:lnRef idx="2">
+              <a:schemeClr val="accent1">
+                <a:shade val="50000"/>
+              </a:schemeClr>
+            </a:lnRef>
+            <a:fillRef idx="1">
+              <a:schemeClr val="accent1"/>
+            </a:fillRef>
+            <a:effectRef idx="0">
+              <a:schemeClr val="accent1"/>
+            </a:effectRef>
+            <a:fontRef idx="minor">
+              <a:schemeClr val="lt1"/>
+            </a:fontRef>
+          </p:style>
+          <p:txBody>
+            <a:bodyPr rtlCol="0" anchor="ctr"/>
+            <a:lstStyle/>
+            <a:p>
+              <a:pPr algn="ctr"/>
+              <a:endParaRPr lang="en-US"/>
+            </a:p>
+          </p:txBody>
+        </p:sp>
+        <p:sp>
+          <p:nvSpPr>
+            <p:cNvPr id="26" name="5-Point Star 25"/>
+            <p:cNvSpPr/>
+            <p:nvPr/>
+          </p:nvSpPr>
+          <p:spPr>
+            <a:xfrm>
+              <a:off x="1587500" y="1485900"/>
+              <a:ext cx="381000" cy="285750"/>
+            </a:xfrm>
+            <a:prstGeom prst="star5">
+              <a:avLst/>
+            </a:prstGeom>
+            <a:solidFill>
+              <a:schemeClr val="bg1"/>
+            </a:solidFill>
+            <a:ln>
+              <a:noFill/>
+            </a:ln>
+          </p:spPr>
+          <p:style>
+            <a:lnRef idx="2">
+              <a:schemeClr val="accent1">
+                <a:shade val="50000"/>
+              </a:schemeClr>
+            </a:lnRef>
+            <a:fillRef idx="1">
+              <a:schemeClr val="accent1"/>
+            </a:fillRef>
+            <a:effectRef idx="0">
+              <a:schemeClr val="accent1"/>
+            </a:effectRef>
+            <a:fontRef idx="minor">
+              <a:schemeClr val="lt1"/>
+            </a:fontRef>
+          </p:style>
+          <p:txBody>
+            <a:bodyPr rtlCol="0" anchor="ctr"/>
+            <a:lstStyle/>
+            <a:p>
+              <a:pPr algn="ctr"/>
+              <a:endParaRPr lang="en-US"/>
+            </a:p>
+          </p:txBody>
+        </p:sp>
+        <p:sp>
+          <p:nvSpPr>
+            <p:cNvPr id="27" name="5-Point Star 26"/>
+            <p:cNvSpPr/>
+            <p:nvPr/>
+          </p:nvSpPr>
+          <p:spPr>
+            <a:xfrm>
+              <a:off x="1587500" y="1971675"/>
+              <a:ext cx="381000" cy="285750"/>
+            </a:xfrm>
+            <a:prstGeom prst="star5">
+              <a:avLst/>
+            </a:prstGeom>
+            <a:solidFill>
+              <a:schemeClr val="bg1"/>
+            </a:solidFill>
+            <a:ln>
+              <a:noFill/>
+            </a:ln>
+          </p:spPr>
+          <p:style>
+            <a:lnRef idx="2">
+              <a:schemeClr val="accent1">
+                <a:shade val="50000"/>
+              </a:schemeClr>
+            </a:lnRef>
+            <a:fillRef idx="1">
+              <a:schemeClr val="accent1"/>
+            </a:fillRef>
+            <a:effectRef idx="0">
+              <a:schemeClr val="accent1"/>
+            </a:effectRef>
+            <a:fontRef idx="minor">
+              <a:schemeClr val="lt1"/>
+            </a:fontRef>
+          </p:style>
+          <p:txBody>
+            <a:bodyPr rtlCol="0" anchor="ctr"/>
+            <a:lstStyle/>
+            <a:p>
+              <a:pPr algn="ctr"/>
+              <a:endParaRPr lang="en-US"/>
+            </a:p>
+          </p:txBody>
+        </p:sp>
+        <p:sp>
+          <p:nvSpPr>
+            <p:cNvPr id="28" name="5-Point Star 27"/>
+            <p:cNvSpPr/>
+            <p:nvPr/>
+          </p:nvSpPr>
+          <p:spPr>
+            <a:xfrm>
+              <a:off x="520700" y="333375"/>
+              <a:ext cx="381000" cy="285750"/>
+            </a:xfrm>
+            <a:prstGeom prst="star5">
+              <a:avLst/>
+            </a:prstGeom>
+            <a:solidFill>
+              <a:schemeClr val="bg1"/>
+            </a:solidFill>
+            <a:ln>
+              <a:noFill/>
+            </a:ln>
+          </p:spPr>
+          <p:style>
+            <a:lnRef idx="2">
+              <a:schemeClr val="accent1">
+                <a:shade val="50000"/>
+              </a:schemeClr>
+            </a:lnRef>
+            <a:fillRef idx="1">
+              <a:schemeClr val="accent1"/>
+            </a:fillRef>
+            <a:effectRef idx="0">
+              <a:schemeClr val="accent1"/>
+            </a:effectRef>
+            <a:fontRef idx="minor">
+              <a:schemeClr val="lt1"/>
+            </a:fontRef>
+          </p:style>
+          <p:txBody>
+            <a:bodyPr rtlCol="0" anchor="ctr"/>
+            <a:lstStyle/>
+            <a:p>
+              <a:pPr algn="ctr"/>
+              <a:endParaRPr lang="en-US"/>
+            </a:p>
+          </p:txBody>
+        </p:sp>
+        <p:sp>
+          <p:nvSpPr>
+            <p:cNvPr id="29" name="5-Point Star 28"/>
+            <p:cNvSpPr/>
+            <p:nvPr/>
+          </p:nvSpPr>
+          <p:spPr>
+            <a:xfrm>
+              <a:off x="546100" y="781050"/>
+              <a:ext cx="381000" cy="285750"/>
+            </a:xfrm>
+            <a:prstGeom prst="star5">
+              <a:avLst/>
+            </a:prstGeom>
+            <a:solidFill>
+              <a:schemeClr val="bg1"/>
+            </a:solidFill>
+            <a:ln>
+              <a:noFill/>
+            </a:ln>
+          </p:spPr>
+          <p:style>
+            <a:lnRef idx="2">
+              <a:schemeClr val="accent1">
+                <a:shade val="50000"/>
+              </a:schemeClr>
+            </a:lnRef>
+            <a:fillRef idx="1">
+              <a:schemeClr val="accent1"/>
+            </a:fillRef>
+            <a:effectRef idx="0">
+              <a:schemeClr val="accent1"/>
+            </a:effectRef>
+            <a:fontRef idx="minor">
+              <a:schemeClr val="lt1"/>
+            </a:fontRef>
+          </p:style>
+          <p:txBody>
+            <a:bodyPr rtlCol="0" anchor="ctr"/>
+            <a:lstStyle/>
+            <a:p>
+              <a:pPr algn="ctr"/>
+              <a:endParaRPr lang="en-US"/>
+            </a:p>
+          </p:txBody>
+        </p:sp>
+        <p:sp>
+          <p:nvSpPr>
+            <p:cNvPr id="30" name="5-Point Star 29"/>
+            <p:cNvSpPr/>
+            <p:nvPr/>
+          </p:nvSpPr>
+          <p:spPr>
+            <a:xfrm>
+              <a:off x="520700" y="1247775"/>
+              <a:ext cx="381000" cy="285750"/>
+            </a:xfrm>
+            <a:prstGeom prst="star5">
+              <a:avLst/>
+            </a:prstGeom>
+            <a:solidFill>
+              <a:schemeClr val="bg1"/>
+            </a:solidFill>
+            <a:ln>
+              <a:noFill/>
+            </a:ln>
+          </p:spPr>
+          <p:style>
+            <a:lnRef idx="2">
+              <a:schemeClr val="accent1">
+                <a:shade val="50000"/>
+              </a:schemeClr>
+            </a:lnRef>
+            <a:fillRef idx="1">
+              <a:schemeClr val="accent1"/>
+            </a:fillRef>
+            <a:effectRef idx="0">
+              <a:schemeClr val="accent1"/>
+            </a:effectRef>
+            <a:fontRef idx="minor">
+              <a:schemeClr val="lt1"/>
+            </a:fontRef>
+          </p:style>
+          <p:txBody>
+            <a:bodyPr rtlCol="0" anchor="ctr"/>
+            <a:lstStyle/>
+            <a:p>
+              <a:pPr algn="ctr"/>
+              <a:endParaRPr lang="en-US"/>
+            </a:p>
+          </p:txBody>
+        </p:sp>
+        <p:sp>
+          <p:nvSpPr>
+            <p:cNvPr id="31" name="5-Point Star 30"/>
+            <p:cNvSpPr/>
+            <p:nvPr/>
+          </p:nvSpPr>
+          <p:spPr>
+            <a:xfrm>
+              <a:off x="520700" y="1781175"/>
+              <a:ext cx="381000" cy="285750"/>
+            </a:xfrm>
+            <a:prstGeom prst="star5">
+              <a:avLst/>
+            </a:prstGeom>
+            <a:solidFill>
+              <a:schemeClr val="bg1"/>
+            </a:solidFill>
+            <a:ln>
+              <a:noFill/>
+            </a:ln>
+          </p:spPr>
+          <p:style>
+            <a:lnRef idx="2">
+              <a:schemeClr val="accent1">
+                <a:shade val="50000"/>
+              </a:schemeClr>
+            </a:lnRef>
+            <a:fillRef idx="1">
+              <a:schemeClr val="accent1"/>
+            </a:fillRef>
+            <a:effectRef idx="0">
+              <a:schemeClr val="accent1"/>
+            </a:effectRef>
+            <a:fontRef idx="minor">
+              <a:schemeClr val="lt1"/>
+            </a:fontRef>
+          </p:style>
+          <p:txBody>
+            <a:bodyPr rtlCol="0" anchor="ctr"/>
+            <a:lstStyle/>
+            <a:p>
+              <a:pPr algn="ctr"/>
+              <a:endParaRPr lang="en-US"/>
+            </a:p>
+          </p:txBody>
+        </p:sp>
+        <p:sp>
+          <p:nvSpPr>
+            <p:cNvPr id="32" name="5-Point Star 31"/>
+            <p:cNvSpPr/>
+            <p:nvPr/>
+          </p:nvSpPr>
+          <p:spPr>
+            <a:xfrm>
+              <a:off x="1244600" y="333375"/>
+              <a:ext cx="381000" cy="285750"/>
+            </a:xfrm>
+            <a:prstGeom prst="star5">
+              <a:avLst/>
+            </a:prstGeom>
+            <a:solidFill>
+              <a:schemeClr val="bg1"/>
+            </a:solidFill>
+            <a:ln>
+              <a:noFill/>
+            </a:ln>
+          </p:spPr>
+          <p:style>
+            <a:lnRef idx="2">
+              <a:schemeClr val="accent1">
+                <a:shade val="50000"/>
+              </a:schemeClr>
+            </a:lnRef>
+            <a:fillRef idx="1">
+              <a:schemeClr val="accent1"/>
+            </a:fillRef>
+            <a:effectRef idx="0">
+              <a:schemeClr val="accent1"/>
+            </a:effectRef>
+            <a:fontRef idx="minor">
+              <a:schemeClr val="lt1"/>
+            </a:fontRef>
+          </p:style>
+          <p:txBody>
+            <a:bodyPr rtlCol="0" anchor="ctr"/>
+            <a:lstStyle/>
+            <a:p>
+              <a:pPr algn="ctr"/>
+              <a:endParaRPr lang="en-US"/>
+            </a:p>
+          </p:txBody>
+        </p:sp>
+        <p:sp>
+          <p:nvSpPr>
+            <p:cNvPr id="33" name="5-Point Star 32"/>
+            <p:cNvSpPr/>
+            <p:nvPr/>
+          </p:nvSpPr>
+          <p:spPr>
+            <a:xfrm>
+              <a:off x="1193800" y="752475"/>
+              <a:ext cx="381000" cy="285750"/>
+            </a:xfrm>
+            <a:prstGeom prst="star5">
+              <a:avLst/>
+            </a:prstGeom>
+            <a:solidFill>
+              <a:schemeClr val="bg1"/>
+            </a:solidFill>
+            <a:ln>
+              <a:noFill/>
+            </a:ln>
+          </p:spPr>
+          <p:style>
+            <a:lnRef idx="2">
+              <a:schemeClr val="accent1">
+                <a:shade val="50000"/>
+              </a:schemeClr>
+            </a:lnRef>
+            <a:fillRef idx="1">
+              <a:schemeClr val="accent1"/>
+            </a:fillRef>
+            <a:effectRef idx="0">
+              <a:schemeClr val="accent1"/>
+            </a:effectRef>
+            <a:fontRef idx="minor">
+              <a:schemeClr val="lt1"/>
+            </a:fontRef>
+          </p:style>
+          <p:txBody>
+            <a:bodyPr rtlCol="0" anchor="ctr"/>
+            <a:lstStyle/>
+            <a:p>
+              <a:pPr algn="ctr"/>
+              <a:endParaRPr lang="en-US"/>
+            </a:p>
+          </p:txBody>
+        </p:sp>
+        <p:sp>
+          <p:nvSpPr>
+            <p:cNvPr id="34" name="5-Point Star 33"/>
+            <p:cNvSpPr/>
+            <p:nvPr/>
+          </p:nvSpPr>
+          <p:spPr>
+            <a:xfrm>
+              <a:off x="1206500" y="1257300"/>
+              <a:ext cx="381000" cy="285750"/>
+            </a:xfrm>
+            <a:prstGeom prst="star5">
+              <a:avLst/>
+            </a:prstGeom>
+            <a:solidFill>
+              <a:schemeClr val="bg1"/>
+            </a:solidFill>
+            <a:ln>
+              <a:noFill/>
+            </a:ln>
+          </p:spPr>
+          <p:style>
+            <a:lnRef idx="2">
+              <a:schemeClr val="accent1">
+                <a:shade val="50000"/>
+              </a:schemeClr>
+            </a:lnRef>
+            <a:fillRef idx="1">
+              <a:schemeClr val="accent1"/>
+            </a:fillRef>
+            <a:effectRef idx="0">
+              <a:schemeClr val="accent1"/>
+            </a:effectRef>
+            <a:fontRef idx="minor">
+              <a:schemeClr val="lt1"/>
+            </a:fontRef>
+          </p:style>
+          <p:txBody>
+            <a:bodyPr rtlCol="0" anchor="ctr"/>
+            <a:lstStyle/>
+            <a:p>
+              <a:pPr algn="ctr"/>
+              <a:endParaRPr lang="en-US"/>
+            </a:p>
+          </p:txBody>
+        </p:sp>
+        <p:sp>
+          <p:nvSpPr>
+            <p:cNvPr id="35" name="5-Point Star 34"/>
+            <p:cNvSpPr/>
+            <p:nvPr/>
+          </p:nvSpPr>
+          <p:spPr>
+            <a:xfrm>
+              <a:off x="1206500" y="1762125"/>
+              <a:ext cx="381000" cy="285750"/>
+            </a:xfrm>
+            <a:prstGeom prst="star5">
+              <a:avLst/>
+            </a:prstGeom>
+            <a:solidFill>
+              <a:schemeClr val="bg1"/>
+            </a:solidFill>
+            <a:ln>
+              <a:noFill/>
+            </a:ln>
+          </p:spPr>
+          <p:style>
+            <a:lnRef idx="2">
+              <a:schemeClr val="accent1">
+                <a:shade val="50000"/>
+              </a:schemeClr>
+            </a:lnRef>
+            <a:fillRef idx="1">
+              <a:schemeClr val="accent1"/>
+            </a:fillRef>
+            <a:effectRef idx="0">
+              <a:schemeClr val="accent1"/>
+            </a:effectRef>
+            <a:fontRef idx="minor">
+              <a:schemeClr val="lt1"/>
+            </a:fontRef>
+          </p:style>
+          <p:txBody>
+            <a:bodyPr rtlCol="0" anchor="ctr"/>
+            <a:lstStyle/>
+            <a:p>
+              <a:pPr algn="ctr"/>
+              <a:endParaRPr lang="en-US"/>
+            </a:p>
+          </p:txBody>
+        </p:sp>
+        <p:sp>
+          <p:nvSpPr>
+            <p:cNvPr id="36" name="5-Point Star 35"/>
+            <p:cNvSpPr/>
+            <p:nvPr/>
+          </p:nvSpPr>
+          <p:spPr>
+            <a:xfrm>
+              <a:off x="2209800" y="123825"/>
+              <a:ext cx="381000" cy="285750"/>
+            </a:xfrm>
+            <a:prstGeom prst="star5">
+              <a:avLst/>
+            </a:prstGeom>
+            <a:solidFill>
+              <a:schemeClr val="bg1"/>
+            </a:solidFill>
+            <a:ln>
+              <a:noFill/>
+            </a:ln>
+          </p:spPr>
+          <p:style>
+            <a:lnRef idx="2">
+              <a:schemeClr val="accent1">
+                <a:shade val="50000"/>
+              </a:schemeClr>
+            </a:lnRef>
+            <a:fillRef idx="1">
+              <a:schemeClr val="accent1"/>
+            </a:fillRef>
+            <a:effectRef idx="0">
+              <a:schemeClr val="accent1"/>
+            </a:effectRef>
+            <a:fontRef idx="minor">
+              <a:schemeClr val="lt1"/>
+            </a:fontRef>
+          </p:style>
+          <p:txBody>
+            <a:bodyPr rtlCol="0" anchor="ctr"/>
+            <a:lstStyle/>
+            <a:p>
+              <a:pPr algn="ctr"/>
+              <a:endParaRPr lang="en-US"/>
+            </a:p>
+          </p:txBody>
+        </p:sp>
+        <p:sp>
+          <p:nvSpPr>
+            <p:cNvPr id="37" name="5-Point Star 36"/>
+            <p:cNvSpPr/>
+            <p:nvPr/>
+          </p:nvSpPr>
+          <p:spPr>
+            <a:xfrm>
+              <a:off x="2222500" y="523875"/>
+              <a:ext cx="381000" cy="285750"/>
+            </a:xfrm>
+            <a:prstGeom prst="star5">
+              <a:avLst/>
+            </a:prstGeom>
+            <a:solidFill>
+              <a:schemeClr val="bg1"/>
+            </a:solidFill>
+            <a:ln>
+              <a:noFill/>
+            </a:ln>
+          </p:spPr>
+          <p:style>
+            <a:lnRef idx="2">
+              <a:schemeClr val="accent1">
+                <a:shade val="50000"/>
+              </a:schemeClr>
+            </a:lnRef>
+            <a:fillRef idx="1">
+              <a:schemeClr val="accent1"/>
+            </a:fillRef>
+            <a:effectRef idx="0">
+              <a:schemeClr val="accent1"/>
+            </a:effectRef>
+            <a:fontRef idx="minor">
+              <a:schemeClr val="lt1"/>
+            </a:fontRef>
+          </p:style>
+          <p:txBody>
+            <a:bodyPr rtlCol="0" anchor="ctr"/>
+            <a:lstStyle/>
+            <a:p>
+              <a:pPr algn="ctr"/>
+              <a:endParaRPr lang="en-US"/>
+            </a:p>
+          </p:txBody>
+        </p:sp>
+        <p:sp>
+          <p:nvSpPr>
+            <p:cNvPr id="38" name="5-Point Star 37"/>
+            <p:cNvSpPr/>
+            <p:nvPr/>
+          </p:nvSpPr>
+          <p:spPr>
+            <a:xfrm>
+              <a:off x="2209800" y="1009650"/>
+              <a:ext cx="381000" cy="285750"/>
+            </a:xfrm>
+            <a:prstGeom prst="star5">
+              <a:avLst/>
+            </a:prstGeom>
+            <a:solidFill>
+              <a:schemeClr val="bg1"/>
+            </a:solidFill>
+            <a:ln>
+              <a:noFill/>
+            </a:ln>
+          </p:spPr>
+          <p:style>
+            <a:lnRef idx="2">
+              <a:schemeClr val="accent1">
+                <a:shade val="50000"/>
+              </a:schemeClr>
+            </a:lnRef>
+            <a:fillRef idx="1">
+              <a:schemeClr val="accent1"/>
+            </a:fillRef>
+            <a:effectRef idx="0">
+              <a:schemeClr val="accent1"/>
+            </a:effectRef>
+            <a:fontRef idx="minor">
+              <a:schemeClr val="lt1"/>
+            </a:fontRef>
+          </p:style>
+          <p:txBody>
+            <a:bodyPr rtlCol="0" anchor="ctr"/>
+            <a:lstStyle/>
+            <a:p>
+              <a:pPr algn="ctr"/>
+              <a:endParaRPr lang="en-US"/>
+            </a:p>
+          </p:txBody>
+        </p:sp>
+        <p:sp>
+          <p:nvSpPr>
+            <p:cNvPr id="39" name="5-Point Star 38"/>
+            <p:cNvSpPr/>
+            <p:nvPr/>
+          </p:nvSpPr>
+          <p:spPr>
+            <a:xfrm>
+              <a:off x="2209800" y="1495425"/>
+              <a:ext cx="381000" cy="285750"/>
+            </a:xfrm>
+            <a:prstGeom prst="star5">
+              <a:avLst/>
+            </a:prstGeom>
+            <a:solidFill>
+              <a:schemeClr val="bg1"/>
+            </a:solidFill>
+            <a:ln>
+              <a:noFill/>
+            </a:ln>
+          </p:spPr>
+          <p:style>
+            <a:lnRef idx="2">
+              <a:schemeClr val="accent1">
+                <a:shade val="50000"/>
+              </a:schemeClr>
+            </a:lnRef>
+            <a:fillRef idx="1">
+              <a:schemeClr val="accent1"/>
+            </a:fillRef>
+            <a:effectRef idx="0">
+              <a:schemeClr val="accent1"/>
+            </a:effectRef>
+            <a:fontRef idx="minor">
+              <a:schemeClr val="lt1"/>
+            </a:fontRef>
+          </p:style>
+          <p:txBody>
+            <a:bodyPr rtlCol="0" anchor="ctr"/>
+            <a:lstStyle/>
+            <a:p>
+              <a:pPr algn="ctr"/>
+              <a:endParaRPr lang="en-US"/>
+            </a:p>
+          </p:txBody>
+        </p:sp>
+        <p:sp>
+          <p:nvSpPr>
+            <p:cNvPr id="40" name="5-Point Star 39"/>
+            <p:cNvSpPr/>
+            <p:nvPr/>
+          </p:nvSpPr>
+          <p:spPr>
+            <a:xfrm>
+              <a:off x="2209800" y="1981200"/>
+              <a:ext cx="381000" cy="285750"/>
+            </a:xfrm>
+            <a:prstGeom prst="star5">
+              <a:avLst/>
+            </a:prstGeom>
+            <a:solidFill>
+              <a:schemeClr val="bg1"/>
+            </a:solidFill>
+            <a:ln>
+              <a:noFill/>
+            </a:ln>
+          </p:spPr>
+          <p:style>
+            <a:lnRef idx="2">
+              <a:schemeClr val="accent1">
+                <a:shade val="50000"/>
+              </a:schemeClr>
+            </a:lnRef>
+            <a:fillRef idx="1">
+              <a:schemeClr val="accent1"/>
+            </a:fillRef>
+            <a:effectRef idx="0">
+              <a:schemeClr val="accent1"/>
+            </a:effectRef>
+            <a:fontRef idx="minor">
+              <a:schemeClr val="lt1"/>
+            </a:fontRef>
+          </p:style>
+          <p:txBody>
+            <a:bodyPr rtlCol="0" anchor="ctr"/>
+            <a:lstStyle/>
+            <a:p>
+              <a:pPr algn="ctr"/>
+              <a:endParaRPr lang="en-US"/>
+            </a:p>
+          </p:txBody>
+        </p:sp>
+        <p:sp>
+          <p:nvSpPr>
+            <p:cNvPr id="41" name="5-Point Star 40"/>
+            <p:cNvSpPr/>
+            <p:nvPr/>
+          </p:nvSpPr>
+          <p:spPr>
+            <a:xfrm>
+              <a:off x="2921000" y="123825"/>
+              <a:ext cx="381000" cy="285750"/>
+            </a:xfrm>
+            <a:prstGeom prst="star5">
+              <a:avLst/>
+            </a:prstGeom>
+            <a:solidFill>
+              <a:schemeClr val="bg1"/>
+            </a:solidFill>
+            <a:ln>
+              <a:noFill/>
+            </a:ln>
+          </p:spPr>
+          <p:style>
+            <a:lnRef idx="2">
+              <a:schemeClr val="accent1">
+                <a:shade val="50000"/>
+              </a:schemeClr>
+            </a:lnRef>
+            <a:fillRef idx="1">
+              <a:schemeClr val="accent1"/>
+            </a:fillRef>
+            <a:effectRef idx="0">
+              <a:schemeClr val="accent1"/>
+            </a:effectRef>
+            <a:fontRef idx="minor">
+              <a:schemeClr val="lt1"/>
+            </a:fontRef>
+          </p:style>
+          <p:txBody>
+            <a:bodyPr rtlCol="0" anchor="ctr"/>
+            <a:lstStyle/>
+            <a:p>
+              <a:pPr algn="ctr"/>
+              <a:endParaRPr lang="en-US"/>
+            </a:p>
+          </p:txBody>
+        </p:sp>
+        <p:sp>
+          <p:nvSpPr>
+            <p:cNvPr id="42" name="5-Point Star 41"/>
+            <p:cNvSpPr/>
+            <p:nvPr/>
+          </p:nvSpPr>
+          <p:spPr>
+            <a:xfrm>
+              <a:off x="2933700" y="523875"/>
+              <a:ext cx="381000" cy="285750"/>
+            </a:xfrm>
+            <a:prstGeom prst="star5">
+              <a:avLst/>
+            </a:prstGeom>
+            <a:solidFill>
+              <a:schemeClr val="bg1"/>
+            </a:solidFill>
+            <a:ln>
+              <a:noFill/>
+            </a:ln>
+          </p:spPr>
+          <p:style>
+            <a:lnRef idx="2">
+              <a:schemeClr val="accent1">
+                <a:shade val="50000"/>
+              </a:schemeClr>
+            </a:lnRef>
+            <a:fillRef idx="1">
+              <a:schemeClr val="accent1"/>
+            </a:fillRef>
+            <a:effectRef idx="0">
+              <a:schemeClr val="accent1"/>
+            </a:effectRef>
+            <a:fontRef idx="minor">
+              <a:schemeClr val="lt1"/>
+            </a:fontRef>
+          </p:style>
+          <p:txBody>
+            <a:bodyPr rtlCol="0" anchor="ctr"/>
+            <a:lstStyle/>
+            <a:p>
+              <a:pPr algn="ctr"/>
+              <a:endParaRPr lang="en-US"/>
+            </a:p>
+          </p:txBody>
+        </p:sp>
+        <p:sp>
+          <p:nvSpPr>
+            <p:cNvPr id="43" name="5-Point Star 42"/>
+            <p:cNvSpPr/>
+            <p:nvPr/>
+          </p:nvSpPr>
+          <p:spPr>
+            <a:xfrm>
+              <a:off x="2921000" y="1009650"/>
+              <a:ext cx="381000" cy="285750"/>
+            </a:xfrm>
+            <a:prstGeom prst="star5">
+              <a:avLst/>
+            </a:prstGeom>
+            <a:solidFill>
+              <a:schemeClr val="bg1"/>
+            </a:solidFill>
+            <a:ln>
+              <a:noFill/>
+            </a:ln>
+          </p:spPr>
+          <p:style>
+            <a:lnRef idx="2">
+              <a:schemeClr val="accent1">
+                <a:shade val="50000"/>
+              </a:schemeClr>
+            </a:lnRef>
+            <a:fillRef idx="1">
+              <a:schemeClr val="accent1"/>
+            </a:fillRef>
+            <a:effectRef idx="0">
+              <a:schemeClr val="accent1"/>
+            </a:effectRef>
+            <a:fontRef idx="minor">
+              <a:schemeClr val="lt1"/>
+            </a:fontRef>
+          </p:style>
+          <p:txBody>
+            <a:bodyPr rtlCol="0" anchor="ctr"/>
+            <a:lstStyle/>
+            <a:p>
+              <a:pPr algn="ctr"/>
+              <a:endParaRPr lang="en-US"/>
+            </a:p>
+          </p:txBody>
+        </p:sp>
+        <p:sp>
+          <p:nvSpPr>
+            <p:cNvPr id="44" name="5-Point Star 43"/>
+            <p:cNvSpPr/>
+            <p:nvPr/>
+          </p:nvSpPr>
+          <p:spPr>
+            <a:xfrm>
+              <a:off x="2921000" y="1495425"/>
+              <a:ext cx="381000" cy="285750"/>
+            </a:xfrm>
+            <a:prstGeom prst="star5">
+              <a:avLst/>
+            </a:prstGeom>
+            <a:solidFill>
+              <a:schemeClr val="bg1"/>
+            </a:solidFill>
+            <a:ln>
+              <a:noFill/>
+            </a:ln>
+          </p:spPr>
+          <p:style>
+            <a:lnRef idx="2">
+              <a:schemeClr val="accent1">
+                <a:shade val="50000"/>
+              </a:schemeClr>
+            </a:lnRef>
+            <a:fillRef idx="1">
+              <a:schemeClr val="accent1"/>
+            </a:fillRef>
+            <a:effectRef idx="0">
+              <a:schemeClr val="accent1"/>
+            </a:effectRef>
+            <a:fontRef idx="minor">
+              <a:schemeClr val="lt1"/>
+            </a:fontRef>
+          </p:style>
+          <p:txBody>
+            <a:bodyPr rtlCol="0" anchor="ctr"/>
+            <a:lstStyle/>
+            <a:p>
+              <a:pPr algn="ctr"/>
+              <a:endParaRPr lang="en-US"/>
+            </a:p>
+          </p:txBody>
+        </p:sp>
+        <p:sp>
+          <p:nvSpPr>
+            <p:cNvPr id="45" name="5-Point Star 44"/>
+            <p:cNvSpPr/>
+            <p:nvPr/>
+          </p:nvSpPr>
+          <p:spPr>
+            <a:xfrm>
+              <a:off x="2921000" y="1981200"/>
+              <a:ext cx="381000" cy="285750"/>
+            </a:xfrm>
+            <a:prstGeom prst="star5">
+              <a:avLst/>
+            </a:prstGeom>
+            <a:solidFill>
+              <a:schemeClr val="bg1"/>
+            </a:solidFill>
+            <a:ln>
+              <a:noFill/>
+            </a:ln>
+          </p:spPr>
+          <p:style>
+            <a:lnRef idx="2">
+              <a:schemeClr val="accent1">
+                <a:shade val="50000"/>
+              </a:schemeClr>
+            </a:lnRef>
+            <a:fillRef idx="1">
+              <a:schemeClr val="accent1"/>
+            </a:fillRef>
+            <a:effectRef idx="0">
+              <a:schemeClr val="accent1"/>
+            </a:effectRef>
+            <a:fontRef idx="minor">
+              <a:schemeClr val="lt1"/>
+            </a:fontRef>
+          </p:style>
+          <p:txBody>
+            <a:bodyPr rtlCol="0" anchor="ctr"/>
+            <a:lstStyle/>
+            <a:p>
+              <a:pPr algn="ctr"/>
+              <a:endParaRPr lang="en-US"/>
+            </a:p>
+          </p:txBody>
+        </p:sp>
+        <p:sp>
+          <p:nvSpPr>
+            <p:cNvPr id="46" name="5-Point Star 45"/>
+            <p:cNvSpPr/>
+            <p:nvPr/>
+          </p:nvSpPr>
+          <p:spPr>
+            <a:xfrm>
+              <a:off x="3670300" y="114300"/>
+              <a:ext cx="381000" cy="285750"/>
+            </a:xfrm>
+            <a:prstGeom prst="star5">
+              <a:avLst/>
+            </a:prstGeom>
+            <a:solidFill>
+              <a:schemeClr val="bg1"/>
+            </a:solidFill>
+            <a:ln>
+              <a:noFill/>
+            </a:ln>
+          </p:spPr>
+          <p:style>
+            <a:lnRef idx="2">
+              <a:schemeClr val="accent1">
+                <a:shade val="50000"/>
+              </a:schemeClr>
+            </a:lnRef>
+            <a:fillRef idx="1">
+              <a:schemeClr val="accent1"/>
+            </a:fillRef>
+            <a:effectRef idx="0">
+              <a:schemeClr val="accent1"/>
+            </a:effectRef>
+            <a:fontRef idx="minor">
+              <a:schemeClr val="lt1"/>
+            </a:fontRef>
+          </p:style>
+          <p:txBody>
+            <a:bodyPr rtlCol="0" anchor="ctr"/>
+            <a:lstStyle/>
+            <a:p>
+              <a:pPr algn="ctr"/>
+              <a:endParaRPr lang="en-US"/>
+            </a:p>
+          </p:txBody>
+        </p:sp>
+        <p:sp>
+          <p:nvSpPr>
+            <p:cNvPr id="47" name="5-Point Star 46"/>
+            <p:cNvSpPr/>
+            <p:nvPr/>
+          </p:nvSpPr>
+          <p:spPr>
+            <a:xfrm>
+              <a:off x="3683000" y="514350"/>
+              <a:ext cx="381000" cy="285750"/>
+            </a:xfrm>
+            <a:prstGeom prst="star5">
+              <a:avLst/>
+            </a:prstGeom>
+            <a:solidFill>
+              <a:schemeClr val="bg1"/>
+            </a:solidFill>
+            <a:ln>
+              <a:noFill/>
+            </a:ln>
+          </p:spPr>
+          <p:style>
+            <a:lnRef idx="2">
+              <a:schemeClr val="accent1">
+                <a:shade val="50000"/>
+              </a:schemeClr>
+            </a:lnRef>
+            <a:fillRef idx="1">
+              <a:schemeClr val="accent1"/>
+            </a:fillRef>
+            <a:effectRef idx="0">
+              <a:schemeClr val="accent1"/>
+            </a:effectRef>
+            <a:fontRef idx="minor">
+              <a:schemeClr val="lt1"/>
+            </a:fontRef>
+          </p:style>
+          <p:txBody>
+            <a:bodyPr rtlCol="0" anchor="ctr"/>
+            <a:lstStyle/>
+            <a:p>
+              <a:pPr algn="ctr"/>
+              <a:endParaRPr lang="en-US"/>
+            </a:p>
+          </p:txBody>
+        </p:sp>
+        <p:sp>
+          <p:nvSpPr>
+            <p:cNvPr id="48" name="5-Point Star 47"/>
+            <p:cNvSpPr/>
+            <p:nvPr/>
+          </p:nvSpPr>
+          <p:spPr>
+            <a:xfrm>
+              <a:off x="3670300" y="1000125"/>
+              <a:ext cx="381000" cy="285750"/>
+            </a:xfrm>
+            <a:prstGeom prst="star5">
+              <a:avLst/>
+            </a:prstGeom>
+            <a:solidFill>
+              <a:schemeClr val="bg1"/>
+            </a:solidFill>
+            <a:ln>
+              <a:noFill/>
+            </a:ln>
+          </p:spPr>
+          <p:style>
+            <a:lnRef idx="2">
+              <a:schemeClr val="accent1">
+                <a:shade val="50000"/>
+              </a:schemeClr>
+            </a:lnRef>
+            <a:fillRef idx="1">
+              <a:schemeClr val="accent1"/>
+            </a:fillRef>
+            <a:effectRef idx="0">
+              <a:schemeClr val="accent1"/>
+            </a:effectRef>
+            <a:fontRef idx="minor">
+              <a:schemeClr val="lt1"/>
+            </a:fontRef>
+          </p:style>
+          <p:txBody>
+            <a:bodyPr rtlCol="0" anchor="ctr"/>
+            <a:lstStyle/>
+            <a:p>
+              <a:pPr algn="ctr"/>
+              <a:endParaRPr lang="en-US"/>
+            </a:p>
+          </p:txBody>
+        </p:sp>
+        <p:sp>
+          <p:nvSpPr>
+            <p:cNvPr id="49" name="5-Point Star 48"/>
+            <p:cNvSpPr/>
+            <p:nvPr/>
+          </p:nvSpPr>
+          <p:spPr>
+            <a:xfrm>
+              <a:off x="3670300" y="1485900"/>
+              <a:ext cx="381000" cy="285750"/>
+            </a:xfrm>
+            <a:prstGeom prst="star5">
+              <a:avLst/>
+            </a:prstGeom>
+            <a:solidFill>
+              <a:schemeClr val="bg1"/>
+            </a:solidFill>
+            <a:ln>
+              <a:noFill/>
+            </a:ln>
+          </p:spPr>
+          <p:style>
+            <a:lnRef idx="2">
+              <a:schemeClr val="accent1">
+                <a:shade val="50000"/>
+              </a:schemeClr>
+            </a:lnRef>
+            <a:fillRef idx="1">
+              <a:schemeClr val="accent1"/>
+            </a:fillRef>
+            <a:effectRef idx="0">
+              <a:schemeClr val="accent1"/>
+            </a:effectRef>
+            <a:fontRef idx="minor">
+              <a:schemeClr val="lt1"/>
+            </a:fontRef>
+          </p:style>
+          <p:txBody>
+            <a:bodyPr rtlCol="0" anchor="ctr"/>
+            <a:lstStyle/>
+            <a:p>
+              <a:pPr algn="ctr"/>
+              <a:endParaRPr lang="en-US"/>
+            </a:p>
+          </p:txBody>
+        </p:sp>
+        <p:sp>
+          <p:nvSpPr>
+            <p:cNvPr id="50" name="5-Point Star 49"/>
+            <p:cNvSpPr/>
+            <p:nvPr/>
+          </p:nvSpPr>
+          <p:spPr>
+            <a:xfrm>
+              <a:off x="3670300" y="1971675"/>
+              <a:ext cx="381000" cy="285750"/>
+            </a:xfrm>
+            <a:prstGeom prst="star5">
+              <a:avLst/>
+            </a:prstGeom>
+            <a:solidFill>
+              <a:schemeClr val="bg1"/>
+            </a:solidFill>
+            <a:ln>
+              <a:noFill/>
+            </a:ln>
+          </p:spPr>
+          <p:style>
+            <a:lnRef idx="2">
+              <a:schemeClr val="accent1">
+                <a:shade val="50000"/>
+              </a:schemeClr>
+            </a:lnRef>
+            <a:fillRef idx="1">
+              <a:schemeClr val="accent1"/>
+            </a:fillRef>
+            <a:effectRef idx="0">
+              <a:schemeClr val="accent1"/>
+            </a:effectRef>
+            <a:fontRef idx="minor">
+              <a:schemeClr val="lt1"/>
+            </a:fontRef>
+          </p:style>
+          <p:txBody>
+            <a:bodyPr rtlCol="0" anchor="ctr"/>
+            <a:lstStyle/>
+            <a:p>
+              <a:pPr algn="ctr"/>
+              <a:endParaRPr lang="en-US"/>
+            </a:p>
+          </p:txBody>
+        </p:sp>
+        <p:sp>
+          <p:nvSpPr>
+            <p:cNvPr id="51" name="5-Point Star 50"/>
+            <p:cNvSpPr/>
+            <p:nvPr/>
+          </p:nvSpPr>
+          <p:spPr>
+            <a:xfrm>
+              <a:off x="2603500" y="333375"/>
+              <a:ext cx="381000" cy="285750"/>
+            </a:xfrm>
+            <a:prstGeom prst="star5">
+              <a:avLst/>
+            </a:prstGeom>
+            <a:solidFill>
+              <a:schemeClr val="bg1"/>
+            </a:solidFill>
+            <a:ln>
+              <a:noFill/>
+            </a:ln>
+          </p:spPr>
+          <p:style>
+            <a:lnRef idx="2">
+              <a:schemeClr val="accent1">
+                <a:shade val="50000"/>
+              </a:schemeClr>
+            </a:lnRef>
+            <a:fillRef idx="1">
+              <a:schemeClr val="accent1"/>
+            </a:fillRef>
+            <a:effectRef idx="0">
+              <a:schemeClr val="accent1"/>
+            </a:effectRef>
+            <a:fontRef idx="minor">
+              <a:schemeClr val="lt1"/>
+            </a:fontRef>
+          </p:style>
+          <p:txBody>
+            <a:bodyPr rtlCol="0" anchor="ctr"/>
+            <a:lstStyle/>
+            <a:p>
+              <a:pPr algn="ctr"/>
+              <a:endParaRPr lang="en-US"/>
+            </a:p>
+          </p:txBody>
+        </p:sp>
+        <p:sp>
+          <p:nvSpPr>
+            <p:cNvPr id="52" name="5-Point Star 51"/>
+            <p:cNvSpPr/>
+            <p:nvPr/>
+          </p:nvSpPr>
+          <p:spPr>
+            <a:xfrm>
+              <a:off x="2628900" y="781050"/>
+              <a:ext cx="381000" cy="285750"/>
+            </a:xfrm>
+            <a:prstGeom prst="star5">
+              <a:avLst/>
+            </a:prstGeom>
+            <a:solidFill>
+              <a:schemeClr val="bg1"/>
+            </a:solidFill>
+            <a:ln>
+              <a:noFill/>
+            </a:ln>
+          </p:spPr>
+          <p:style>
+            <a:lnRef idx="2">
+              <a:schemeClr val="accent1">
+                <a:shade val="50000"/>
+              </a:schemeClr>
+            </a:lnRef>
+            <a:fillRef idx="1">
+              <a:schemeClr val="accent1"/>
+            </a:fillRef>
+            <a:effectRef idx="0">
+              <a:schemeClr val="accent1"/>
+            </a:effectRef>
+            <a:fontRef idx="minor">
+              <a:schemeClr val="lt1"/>
+            </a:fontRef>
+          </p:style>
+          <p:txBody>
+            <a:bodyPr rtlCol="0" anchor="ctr"/>
+            <a:lstStyle/>
+            <a:p>
+              <a:pPr algn="ctr"/>
+              <a:endParaRPr lang="en-US"/>
+            </a:p>
+          </p:txBody>
+        </p:sp>
+        <p:sp>
+          <p:nvSpPr>
+            <p:cNvPr id="53" name="5-Point Star 52"/>
+            <p:cNvSpPr/>
+            <p:nvPr/>
+          </p:nvSpPr>
+          <p:spPr>
+            <a:xfrm>
+              <a:off x="2603500" y="1247775"/>
+              <a:ext cx="381000" cy="285750"/>
+            </a:xfrm>
+            <a:prstGeom prst="star5">
+              <a:avLst/>
+            </a:prstGeom>
+            <a:solidFill>
+              <a:schemeClr val="bg1"/>
+            </a:solidFill>
+            <a:ln>
+              <a:noFill/>
+            </a:ln>
+          </p:spPr>
+          <p:style>
+            <a:lnRef idx="2">
+              <a:schemeClr val="accent1">
+                <a:shade val="50000"/>
+              </a:schemeClr>
+            </a:lnRef>
+            <a:fillRef idx="1">
+              <a:schemeClr val="accent1"/>
+            </a:fillRef>
+            <a:effectRef idx="0">
+              <a:schemeClr val="accent1"/>
+            </a:effectRef>
+            <a:fontRef idx="minor">
+              <a:schemeClr val="lt1"/>
+            </a:fontRef>
+          </p:style>
+          <p:txBody>
+            <a:bodyPr rtlCol="0" anchor="ctr"/>
+            <a:lstStyle/>
+            <a:p>
+              <a:pPr algn="ctr"/>
+              <a:endParaRPr lang="en-US"/>
+            </a:p>
+          </p:txBody>
+        </p:sp>
+        <p:sp>
+          <p:nvSpPr>
+            <p:cNvPr id="54" name="5-Point Star 53"/>
+            <p:cNvSpPr/>
+            <p:nvPr/>
+          </p:nvSpPr>
+          <p:spPr>
+            <a:xfrm>
+              <a:off x="2603500" y="1781175"/>
+              <a:ext cx="381000" cy="285750"/>
+            </a:xfrm>
+            <a:prstGeom prst="star5">
+              <a:avLst/>
+            </a:prstGeom>
+            <a:solidFill>
+              <a:schemeClr val="bg1"/>
+            </a:solidFill>
+            <a:ln>
+              <a:noFill/>
+            </a:ln>
+          </p:spPr>
+          <p:style>
+            <a:lnRef idx="2">
+              <a:schemeClr val="accent1">
+                <a:shade val="50000"/>
+              </a:schemeClr>
+            </a:lnRef>
+            <a:fillRef idx="1">
+              <a:schemeClr val="accent1"/>
+            </a:fillRef>
+            <a:effectRef idx="0">
+              <a:schemeClr val="accent1"/>
+            </a:effectRef>
+            <a:fontRef idx="minor">
+              <a:schemeClr val="lt1"/>
+            </a:fontRef>
+          </p:style>
+          <p:txBody>
+            <a:bodyPr rtlCol="0" anchor="ctr"/>
+            <a:lstStyle/>
+            <a:p>
+              <a:pPr algn="ctr"/>
+              <a:endParaRPr lang="en-US"/>
+            </a:p>
+          </p:txBody>
+        </p:sp>
+        <p:sp>
+          <p:nvSpPr>
+            <p:cNvPr id="55" name="5-Point Star 54"/>
+            <p:cNvSpPr/>
+            <p:nvPr/>
+          </p:nvSpPr>
+          <p:spPr>
+            <a:xfrm>
+              <a:off x="3327400" y="333375"/>
+              <a:ext cx="381000" cy="285750"/>
+            </a:xfrm>
+            <a:prstGeom prst="star5">
+              <a:avLst/>
+            </a:prstGeom>
+            <a:solidFill>
+              <a:schemeClr val="bg1"/>
+            </a:solidFill>
+            <a:ln>
+              <a:noFill/>
+            </a:ln>
+          </p:spPr>
+          <p:style>
+            <a:lnRef idx="2">
+              <a:schemeClr val="accent1">
+                <a:shade val="50000"/>
+              </a:schemeClr>
+            </a:lnRef>
+            <a:fillRef idx="1">
+              <a:schemeClr val="accent1"/>
+            </a:fillRef>
+            <a:effectRef idx="0">
+              <a:schemeClr val="accent1"/>
+            </a:effectRef>
+            <a:fontRef idx="minor">
+              <a:schemeClr val="lt1"/>
+            </a:fontRef>
+          </p:style>
+          <p:txBody>
+            <a:bodyPr rtlCol="0" anchor="ctr"/>
+            <a:lstStyle/>
+            <a:p>
+              <a:pPr algn="ctr"/>
+              <a:endParaRPr lang="en-US"/>
+            </a:p>
+          </p:txBody>
+        </p:sp>
+        <p:sp>
+          <p:nvSpPr>
+            <p:cNvPr id="56" name="5-Point Star 55"/>
+            <p:cNvSpPr/>
+            <p:nvPr/>
+          </p:nvSpPr>
+          <p:spPr>
+            <a:xfrm>
+              <a:off x="3276600" y="752475"/>
+              <a:ext cx="381000" cy="285750"/>
+            </a:xfrm>
+            <a:prstGeom prst="star5">
+              <a:avLst/>
+            </a:prstGeom>
+            <a:solidFill>
+              <a:schemeClr val="bg1"/>
+            </a:solidFill>
+            <a:ln>
+              <a:noFill/>
+            </a:ln>
+          </p:spPr>
+          <p:style>
+            <a:lnRef idx="2">
+              <a:schemeClr val="accent1">
+                <a:shade val="50000"/>
+              </a:schemeClr>
+            </a:lnRef>
+            <a:fillRef idx="1">
+              <a:schemeClr val="accent1"/>
+            </a:fillRef>
+            <a:effectRef idx="0">
+              <a:schemeClr val="accent1"/>
+            </a:effectRef>
+            <a:fontRef idx="minor">
+              <a:schemeClr val="lt1"/>
+            </a:fontRef>
+          </p:style>
+          <p:txBody>
+            <a:bodyPr rtlCol="0" anchor="ctr"/>
+            <a:lstStyle/>
+            <a:p>
+              <a:pPr algn="ctr"/>
+              <a:endParaRPr lang="en-US"/>
+            </a:p>
+          </p:txBody>
+        </p:sp>
+        <p:sp>
+          <p:nvSpPr>
+            <p:cNvPr id="57" name="5-Point Star 56"/>
+            <p:cNvSpPr/>
+            <p:nvPr/>
+          </p:nvSpPr>
+          <p:spPr>
+            <a:xfrm>
+              <a:off x="3289300" y="1257300"/>
+              <a:ext cx="381000" cy="285750"/>
+            </a:xfrm>
+            <a:prstGeom prst="star5">
+              <a:avLst/>
+            </a:prstGeom>
+            <a:solidFill>
+              <a:schemeClr val="bg1"/>
+            </a:solidFill>
+            <a:ln>
+              <a:noFill/>
+            </a:ln>
+          </p:spPr>
+          <p:style>
+            <a:lnRef idx="2">
+              <a:schemeClr val="accent1">
+                <a:shade val="50000"/>
+              </a:schemeClr>
+            </a:lnRef>
+            <a:fillRef idx="1">
+              <a:schemeClr val="accent1"/>
+            </a:fillRef>
+            <a:effectRef idx="0">
+              <a:schemeClr val="accent1"/>
+            </a:effectRef>
+            <a:fontRef idx="minor">
+              <a:schemeClr val="lt1"/>
+            </a:fontRef>
+          </p:style>
+          <p:txBody>
+            <a:bodyPr rtlCol="0" anchor="ctr"/>
+            <a:lstStyle/>
+            <a:p>
+              <a:pPr algn="ctr"/>
+              <a:endParaRPr lang="en-US"/>
+            </a:p>
+          </p:txBody>
+        </p:sp>
+        <p:sp>
+          <p:nvSpPr>
+            <p:cNvPr id="58" name="5-Point Star 57"/>
+            <p:cNvSpPr/>
+            <p:nvPr/>
+          </p:nvSpPr>
+          <p:spPr>
+            <a:xfrm>
+              <a:off x="3289300" y="1762125"/>
+              <a:ext cx="381000" cy="285750"/>
+            </a:xfrm>
+            <a:prstGeom prst="star5">
+              <a:avLst/>
+            </a:prstGeom>
+            <a:solidFill>
+              <a:schemeClr val="bg1"/>
+            </a:solidFill>
+            <a:ln>
+              <a:noFill/>
+            </a:ln>
+          </p:spPr>
+          <p:style>
+            <a:lnRef idx="2">
+              <a:schemeClr val="accent1">
+                <a:shade val="50000"/>
+              </a:schemeClr>
+            </a:lnRef>
+            <a:fillRef idx="1">
+              <a:schemeClr val="accent1"/>
+            </a:fillRef>
+            <a:effectRef idx="0">
+              <a:schemeClr val="accent1"/>
+            </a:effectRef>
+            <a:fontRef idx="minor">
+              <a:schemeClr val="lt1"/>
+            </a:fontRef>
+          </p:style>
+          <p:txBody>
+            <a:bodyPr rtlCol="0" anchor="ctr"/>
+            <a:lstStyle/>
+            <a:p>
+              <a:pPr algn="ctr"/>
+              <a:endParaRPr lang="en-US"/>
+            </a:p>
+          </p:txBody>
+        </p:sp>
+        <p:sp>
+          <p:nvSpPr>
+            <p:cNvPr id="59" name="5-Point Star 58"/>
+            <p:cNvSpPr/>
+            <p:nvPr/>
+          </p:nvSpPr>
+          <p:spPr>
+            <a:xfrm>
+              <a:off x="1866900" y="333375"/>
+              <a:ext cx="381000" cy="285750"/>
+            </a:xfrm>
+            <a:prstGeom prst="star5">
+              <a:avLst/>
+            </a:prstGeom>
+            <a:solidFill>
+              <a:schemeClr val="bg1"/>
+            </a:solidFill>
+            <a:ln>
+              <a:noFill/>
+            </a:ln>
+          </p:spPr>
+          <p:style>
+            <a:lnRef idx="2">
+              <a:schemeClr val="accent1">
+                <a:shade val="50000"/>
+              </a:schemeClr>
+            </a:lnRef>
+            <a:fillRef idx="1">
+              <a:schemeClr val="accent1"/>
+            </a:fillRef>
+            <a:effectRef idx="0">
+              <a:schemeClr val="accent1"/>
+            </a:effectRef>
+            <a:fontRef idx="minor">
+              <a:schemeClr val="lt1"/>
+            </a:fontRef>
+          </p:style>
+          <p:txBody>
+            <a:bodyPr rtlCol="0" anchor="ctr"/>
+            <a:lstStyle/>
+            <a:p>
+              <a:pPr algn="ctr"/>
+              <a:endParaRPr lang="en-US"/>
+            </a:p>
+          </p:txBody>
+        </p:sp>
+        <p:sp>
+          <p:nvSpPr>
+            <p:cNvPr id="60" name="5-Point Star 59"/>
+            <p:cNvSpPr/>
+            <p:nvPr/>
+          </p:nvSpPr>
+          <p:spPr>
+            <a:xfrm>
+              <a:off x="1892300" y="781050"/>
+              <a:ext cx="381000" cy="285750"/>
+            </a:xfrm>
+            <a:prstGeom prst="star5">
+              <a:avLst/>
+            </a:prstGeom>
+            <a:solidFill>
+              <a:schemeClr val="bg1"/>
+            </a:solidFill>
+            <a:ln>
+              <a:noFill/>
+            </a:ln>
+          </p:spPr>
+          <p:style>
+            <a:lnRef idx="2">
+              <a:schemeClr val="accent1">
+                <a:shade val="50000"/>
+              </a:schemeClr>
+            </a:lnRef>
+            <a:fillRef idx="1">
+              <a:schemeClr val="accent1"/>
+            </a:fillRef>
+            <a:effectRef idx="0">
+              <a:schemeClr val="accent1"/>
+            </a:effectRef>
+            <a:fontRef idx="minor">
+              <a:schemeClr val="lt1"/>
+            </a:fontRef>
+          </p:style>
+          <p:txBody>
+            <a:bodyPr rtlCol="0" anchor="ctr"/>
+            <a:lstStyle/>
+            <a:p>
+              <a:pPr algn="ctr"/>
+              <a:endParaRPr lang="en-US"/>
+            </a:p>
+          </p:txBody>
+        </p:sp>
+        <p:sp>
+          <p:nvSpPr>
+            <p:cNvPr id="61" name="5-Point Star 60"/>
+            <p:cNvSpPr/>
+            <p:nvPr/>
+          </p:nvSpPr>
+          <p:spPr>
+            <a:xfrm>
+              <a:off x="1905000" y="1276350"/>
+              <a:ext cx="381000" cy="285750"/>
+            </a:xfrm>
+            <a:prstGeom prst="star5">
+              <a:avLst/>
+            </a:prstGeom>
+            <a:solidFill>
+              <a:schemeClr val="bg1"/>
+            </a:solidFill>
+            <a:ln>
+              <a:noFill/>
+            </a:ln>
+          </p:spPr>
+          <p:style>
+            <a:lnRef idx="2">
+              <a:schemeClr val="accent1">
+                <a:shade val="50000"/>
+              </a:schemeClr>
+            </a:lnRef>
+            <a:fillRef idx="1">
+              <a:schemeClr val="accent1"/>
+            </a:fillRef>
+            <a:effectRef idx="0">
+              <a:schemeClr val="accent1"/>
+            </a:effectRef>
+            <a:fontRef idx="minor">
+              <a:schemeClr val="lt1"/>
+            </a:fontRef>
+          </p:style>
+          <p:txBody>
+            <a:bodyPr rtlCol="0" anchor="ctr"/>
+            <a:lstStyle/>
+            <a:p>
+              <a:pPr algn="ctr"/>
+              <a:endParaRPr lang="en-US"/>
+            </a:p>
+          </p:txBody>
+        </p:sp>
+        <p:sp>
+          <p:nvSpPr>
+            <p:cNvPr id="62" name="5-Point Star 61"/>
+            <p:cNvSpPr/>
+            <p:nvPr/>
+          </p:nvSpPr>
+          <p:spPr>
+            <a:xfrm>
+              <a:off x="1892300" y="1762125"/>
+              <a:ext cx="381000" cy="285750"/>
+            </a:xfrm>
+            <a:prstGeom prst="star5">
+              <a:avLst>
+                <a:gd name="adj" fmla="val 22113"/>
+                <a:gd name="hf" fmla="val 105146"/>
+                <a:gd name="vf" fmla="val 110557"/>
+              </a:avLst>
+            </a:prstGeom>
+            <a:solidFill>
+              <a:schemeClr val="bg1"/>
+            </a:solidFill>
+            <a:ln>
+              <a:noFill/>
+            </a:ln>
+          </p:spPr>
+          <p:style>
+            <a:lnRef idx="2">
+              <a:schemeClr val="accent1">
+                <a:shade val="50000"/>
+              </a:schemeClr>
+            </a:lnRef>
+            <a:fillRef idx="1">
+              <a:schemeClr val="accent1"/>
+            </a:fillRef>
+            <a:effectRef idx="0">
+              <a:schemeClr val="accent1"/>
+            </a:effectRef>
+            <a:fontRef idx="minor">
+              <a:schemeClr val="lt1"/>
+            </a:fontRef>
+          </p:style>
+          <p:txBody>
+            <a:bodyPr rtlCol="0" anchor="ctr"/>
+            <a:lstStyle/>
+            <a:p>
+              <a:pPr algn="ctr"/>
+              <a:endParaRPr lang="en-US"/>
+            </a:p>
+          </p:txBody>
+        </p:sp>
+      </p:grpSp>
     </p:spTree>
     <p:extLst>
       <p:ext uri="{BB962C8B-B14F-4D97-AF65-F5344CB8AC3E}">
@@ -5848,6 +5870,13 @@
   <p:clrMapOvr>
     <a:masterClrMapping/>
   </p:clrMapOvr>
+  <p:timing>
+    <p:tnLst>
+      <p:par>
+        <p:cTn id="1" dur="indefinite" restart="never" nodeType="tmRoot"/>
+      </p:par>
+    </p:tnLst>
+  </p:timing>
 </p:sld>
 </file>
 
